--- a/04a.Hook into Office 365 APIs/Hook into Office 365 APIs.pptx
+++ b/04a.Hook into Office 365 APIs/Hook into Office 365 APIs.pptx
@@ -28,12 +28,12 @@
     <p:sldId id="902" r:id="rId19"/>
     <p:sldId id="903" r:id="rId20"/>
     <p:sldId id="904" r:id="rId21"/>
-    <p:sldId id="905" r:id="rId22"/>
-    <p:sldId id="859" r:id="rId23"/>
-    <p:sldId id="906" r:id="rId24"/>
-    <p:sldId id="907" r:id="rId25"/>
-    <p:sldId id="893" r:id="rId26"/>
-    <p:sldId id="910" r:id="rId27"/>
+    <p:sldId id="911" r:id="rId22"/>
+    <p:sldId id="912" r:id="rId23"/>
+    <p:sldId id="859" r:id="rId24"/>
+    <p:sldId id="906" r:id="rId25"/>
+    <p:sldId id="907" r:id="rId26"/>
+    <p:sldId id="893" r:id="rId27"/>
     <p:sldId id="909" r:id="rId28"/>
     <p:sldId id="892" r:id="rId29"/>
     <p:sldId id="654" r:id="rId30"/>
@@ -339,7 +339,7 @@
           <a:p>
             <a:fld id="{DE219B1A-AE41-483B-A766-69B9363DDA6A}" type="datetimeFigureOut">
               <a:rPr lang="en-US" smtClean="0"/>
-              <a:t>10/24/2014</a:t>
+              <a:t>10/31/2014</a:t>
             </a:fld>
             <a:endParaRPr lang="en-US"/>
           </a:p>
@@ -621,7 +621,7 @@
           <a:p>
             <a:fld id="{D51B1278-D92B-4AF3-A9C1-71DD298190CE}" type="datetimeFigureOut">
               <a:rPr lang="en-US" smtClean="0"/>
-              <a:t>10/24/2014</a:t>
+              <a:t>10/31/2014</a:t>
             </a:fld>
             <a:endParaRPr lang="en-US"/>
           </a:p>
@@ -1218,7 +1218,7 @@
           <a:p>
             <a:fld id="{23FDFFE0-9E47-4B8C-842E-FA426FE218C8}" type="datetime1">
               <a:rPr lang="en-US" smtClean="0"/>
-              <a:t>10/24/2014</a:t>
+              <a:t>10/31/2014</a:t>
             </a:fld>
             <a:endParaRPr lang="en-US"/>
           </a:p>
@@ -1241,7 +1241,7 @@
           <a:p>
             <a:fld id="{B4008EB6-D09E-4580-8CD6-DDB14511944F}" type="slidenum">
               <a:rPr lang="en-US" smtClean="0"/>
-              <a:t>20</a:t>
+              <a:t>21</a:t>
             </a:fld>
             <a:endParaRPr lang="en-US" dirty="0"/>
           </a:p>
@@ -1403,22 +1403,6 @@
           <a:bodyPr/>
           <a:lstStyle/>
           <a:p>
-            <a:r>
-              <a:rPr lang="en-US" dirty="0" smtClean="0"/>
-              <a:t>The discovery service discovers the SharePoint</a:t>
-            </a:r>
-            <a:r>
-              <a:rPr lang="en-US" baseline="0" dirty="0" smtClean="0"/>
-              <a:t> resource</a:t>
-            </a:r>
-            <a:r>
-              <a:rPr lang="en-US" dirty="0" smtClean="0"/>
-              <a:t>,</a:t>
-            </a:r>
-            <a:r>
-              <a:rPr lang="en-US" baseline="0" dirty="0" smtClean="0"/>
-              <a:t> which we can use to access document libraries</a:t>
-            </a:r>
             <a:endParaRPr lang="en-US" dirty="0"/>
           </a:p>
         </p:txBody>
@@ -1438,9 +1422,9 @@
           <a:bodyPr/>
           <a:lstStyle/>
           <a:p>
-            <a:fld id="{23FDFFE0-9E47-4B8C-842E-FA426FE218C8}" type="datetime1">
+            <a:fld id="{9F6C2A45-62A9-453C-B1A0-E9BD4232256A}" type="datetime1">
               <a:rPr lang="en-US" smtClean="0"/>
-              <a:t>10/24/2014</a:t>
+              <a:t>10/31/2014</a:t>
             </a:fld>
             <a:endParaRPr lang="en-US"/>
           </a:p>
@@ -1463,7 +1447,7 @@
           <a:p>
             <a:fld id="{B4008EB6-D09E-4580-8CD6-DDB14511944F}" type="slidenum">
               <a:rPr lang="en-US" smtClean="0"/>
-              <a:t>22</a:t>
+              <a:t>23</a:t>
             </a:fld>
             <a:endParaRPr lang="en-US" dirty="0"/>
           </a:p>
@@ -1571,7 +1555,7 @@
     </p:spTree>
     <p:extLst>
       <p:ext uri="{BB962C8B-B14F-4D97-AF65-F5344CB8AC3E}">
-        <p14:creationId xmlns:p14="http://schemas.microsoft.com/office/powerpoint/2010/main" val="242097287"/>
+        <p14:creationId xmlns:p14="http://schemas.microsoft.com/office/powerpoint/2010/main" val="4257398026"/>
       </p:ext>
     </p:extLst>
   </p:cSld>
@@ -1631,12 +1615,12 @@
       </p:sp>
       <p:sp>
         <p:nvSpPr>
-          <p:cNvPr id="4" name="Date Placeholder 3"/>
-          <p:cNvSpPr>
-            <a:spLocks noGrp="1"/>
-          </p:cNvSpPr>
-          <p:nvPr>
-            <p:ph type="dt" idx="10"/>
+          <p:cNvPr id="4" name="Footer Placeholder 3"/>
+          <p:cNvSpPr>
+            <a:spLocks noGrp="1"/>
+          </p:cNvSpPr>
+          <p:nvPr>
+            <p:ph type="ftr" sz="quarter" idx="10"/>
           </p:nvPr>
         </p:nvSpPr>
         <p:spPr/>
@@ -1644,85 +1628,16 @@
           <a:bodyPr/>
           <a:lstStyle/>
           <a:p>
-            <a:fld id="{9F6C2A45-62A9-453C-B1A0-E9BD4232256A}" type="datetime1">
-              <a:rPr lang="en-US" smtClean="0"/>
-              <a:t>10/24/2014</a:t>
-            </a:fld>
-            <a:endParaRPr lang="en-US"/>
-          </a:p>
-        </p:txBody>
-      </p:sp>
-      <p:sp>
-        <p:nvSpPr>
-          <p:cNvPr id="5" name="Slide Number Placeholder 4"/>
-          <p:cNvSpPr>
-            <a:spLocks noGrp="1"/>
-          </p:cNvSpPr>
-          <p:nvPr>
-            <p:ph type="sldNum" sz="quarter" idx="11"/>
-          </p:nvPr>
-        </p:nvSpPr>
-        <p:spPr/>
-        <p:txBody>
-          <a:bodyPr/>
-          <a:lstStyle/>
-          <a:p>
-            <a:fld id="{B4008EB6-D09E-4580-8CD6-DDB14511944F}" type="slidenum">
-              <a:rPr lang="en-US" smtClean="0"/>
-              <a:t>23</a:t>
-            </a:fld>
-            <a:endParaRPr lang="en-US" dirty="0"/>
-          </a:p>
-        </p:txBody>
-      </p:sp>
-      <p:sp>
-        <p:nvSpPr>
-          <p:cNvPr id="6" name="Header Placeholder 5"/>
-          <p:cNvSpPr>
-            <a:spLocks noGrp="1"/>
-          </p:cNvSpPr>
-          <p:nvPr>
-            <p:ph type="hdr" sz="quarter" idx="12"/>
-          </p:nvPr>
-        </p:nvSpPr>
-        <p:spPr/>
-        <p:txBody>
-          <a:bodyPr/>
-          <a:lstStyle/>
-          <a:p>
-            <a:r>
-              <a:rPr lang="en-US" smtClean="0"/>
-              <a:t>Microsoft Office</a:t>
-            </a:r>
-            <a:endParaRPr lang="en-US" dirty="0"/>
-          </a:p>
-        </p:txBody>
-      </p:sp>
-      <p:sp>
-        <p:nvSpPr>
-          <p:cNvPr id="7" name="Footer Placeholder 6"/>
-          <p:cNvSpPr>
-            <a:spLocks noGrp="1"/>
-          </p:cNvSpPr>
-          <p:nvPr>
-            <p:ph type="ftr" sz="quarter" idx="13"/>
-          </p:nvPr>
-        </p:nvSpPr>
-        <p:spPr/>
-        <p:txBody>
-          <a:bodyPr/>
-          <a:lstStyle/>
-          <a:p>
-            <a:pPr marL="231775" defTabSz="914099" eaLnBrk="0" hangingPunct="0"/>
-            <a:r>
-              <a:rPr lang="en-US" sz="500" smtClean="0">
+            <a:pPr defTabSz="914099" eaLnBrk="0" hangingPunct="0"/>
+            <a:r>
+              <a:rPr lang="en-US" sz="400" smtClean="0">
                 <a:gradFill>
                   <a:gsLst>
                     <a:gs pos="0">
-                      <a:schemeClr val="tx1"/>
+                      <a:prstClr val="black"/>
                     </a:gs>
                     <a:gs pos="100000">
-                      <a:schemeClr val="tx1"/>
+                      <a:prstClr val="black"/>
                     </a:gs>
                   </a:gsLst>
                   <a:lin ang="5400000" scaled="0"/>
@@ -1731,38 +1646,16 @@
                 <a:ea typeface="Segoe UI" pitchFamily="34" charset="0"/>
                 <a:cs typeface="Segoe UI" pitchFamily="34" charset="0"/>
               </a:rPr>
-              <a:t>© 2012 Microsoft Corporation. All rights reserved. Microsoft, Windows, and other product names are or may be registered trademarks and/or trademarks in the U.S. and/or other countries.</a:t>
-            </a:r>
-          </a:p>
-          <a:p>
-            <a:pPr marL="231775" defTabSz="914099" eaLnBrk="0" hangingPunct="0"/>
-            <a:r>
-              <a:rPr lang="en-US" sz="500" smtClean="0">
-                <a:gradFill>
-                  <a:gsLst>
-                    <a:gs pos="0">
-                      <a:schemeClr val="tx1"/>
-                    </a:gs>
-                    <a:gs pos="100000">
-                      <a:schemeClr val="tx1"/>
-                    </a:gs>
-                  </a:gsLst>
-                  <a:lin ang="5400000" scaled="0"/>
-                </a:gradFill>
-                <a:latin typeface="Segoe UI" pitchFamily="34" charset="0"/>
-                <a:ea typeface="Segoe UI" pitchFamily="34" charset="0"/>
-                <a:cs typeface="Segoe UI" pitchFamily="34" charset="0"/>
-              </a:rPr>
-              <a:t>The information herein is for informational purposes only and represents the current view of Microsoft Corporation as of the date of this presentation.  Because Microsoft must respond to changing market conditions, it should not be interpreted to be a commitment on the part of Microsoft, and Microsoft cannot guarantee the accuracy of any information provided after the date of this presentation.  MICROSOFT MAKES NO WARRANTIES, EXPRESS, IMPLIED OR STATUTORY, AS TO THE INFORMATION IN THIS PRESENTATION.</a:t>
-            </a:r>
-            <a:endParaRPr lang="en-US" sz="500" dirty="0">
+              <a:t>© 2014 Microsoft Corporation. All rights reserved. Microsoft, Windows, and other product names are or may be registered trademarks and/or trademarks in the U.S. and/or other countries. The information herein is for informational purposes only and represents the current view of Microsoft Corporation as of the date of this presentation.  Because Microsoft must respond to changing market conditions, it should not be interpreted to be a commitment on the part of Microsoft, and Microsoft cannot guarantee the accuracy of any information provided after the date of this presentation.  MICROSOFT MAKES NO WARRANTIES, EXPRESS, IMPLIED OR STATUTORY, AS TO THE INFORMATION IN THIS PRESENTATION.</a:t>
+            </a:r>
+            <a:endParaRPr lang="en-US" sz="400" dirty="0" smtClean="0">
               <a:gradFill>
                 <a:gsLst>
                   <a:gs pos="0">
-                    <a:schemeClr val="tx1"/>
+                    <a:prstClr val="black"/>
                   </a:gs>
                   <a:gs pos="100000">
-                    <a:schemeClr val="tx1"/>
+                    <a:prstClr val="black"/>
                   </a:gs>
                 </a:gsLst>
                 <a:lin ang="5400000" scaled="0"/>
@@ -1774,10 +1667,80 @@
           </a:p>
         </p:txBody>
       </p:sp>
+      <p:sp>
+        <p:nvSpPr>
+          <p:cNvPr id="5" name="Date Placeholder 4"/>
+          <p:cNvSpPr>
+            <a:spLocks noGrp="1"/>
+          </p:cNvSpPr>
+          <p:nvPr>
+            <p:ph type="dt" idx="11"/>
+          </p:nvPr>
+        </p:nvSpPr>
+        <p:spPr/>
+        <p:txBody>
+          <a:bodyPr/>
+          <a:lstStyle/>
+          <a:p>
+            <a:fld id="{B079C3B8-7366-4A44-A34B-3977080C19E7}" type="datetime1">
+              <a:rPr lang="en-US" smtClean="0"/>
+              <a:t>10/31/2014</a:t>
+            </a:fld>
+            <a:endParaRPr lang="en-US" dirty="0"/>
+          </a:p>
+        </p:txBody>
+      </p:sp>
+      <p:sp>
+        <p:nvSpPr>
+          <p:cNvPr id="6" name="Slide Number Placeholder 5"/>
+          <p:cNvSpPr>
+            <a:spLocks noGrp="1"/>
+          </p:cNvSpPr>
+          <p:nvPr>
+            <p:ph type="sldNum" sz="quarter" idx="12"/>
+          </p:nvPr>
+        </p:nvSpPr>
+        <p:spPr/>
+        <p:txBody>
+          <a:bodyPr/>
+          <a:lstStyle/>
+          <a:p>
+            <a:fld id="{B4008EB6-D09E-4580-8CD6-DDB14511944F}" type="slidenum">
+              <a:rPr lang="en-US" smtClean="0"/>
+              <a:pPr/>
+              <a:t>24</a:t>
+            </a:fld>
+            <a:endParaRPr lang="en-US" dirty="0"/>
+          </a:p>
+        </p:txBody>
+      </p:sp>
+      <p:sp>
+        <p:nvSpPr>
+          <p:cNvPr id="7" name="Header Placeholder 6"/>
+          <p:cNvSpPr>
+            <a:spLocks noGrp="1"/>
+          </p:cNvSpPr>
+          <p:nvPr>
+            <p:ph type="hdr" sz="quarter" idx="13"/>
+          </p:nvPr>
+        </p:nvSpPr>
+        <p:spPr/>
+        <p:txBody>
+          <a:bodyPr/>
+          <a:lstStyle/>
+          <a:p>
+            <a:r>
+              <a:rPr lang="en-US" smtClean="0"/>
+              <a:t>Build 2014</a:t>
+            </a:r>
+            <a:endParaRPr lang="en-US" dirty="0"/>
+          </a:p>
+        </p:txBody>
+      </p:sp>
     </p:spTree>
     <p:extLst>
       <p:ext uri="{BB962C8B-B14F-4D97-AF65-F5344CB8AC3E}">
-        <p14:creationId xmlns:p14="http://schemas.microsoft.com/office/powerpoint/2010/main" val="4257398026"/>
+        <p14:creationId xmlns:p14="http://schemas.microsoft.com/office/powerpoint/2010/main" val="3487399188"/>
       </p:ext>
     </p:extLst>
   </p:cSld>
@@ -1831,21 +1794,56 @@
           <a:bodyPr/>
           <a:lstStyle/>
           <a:p>
+            <a:endParaRPr lang="en-US"/>
+          </a:p>
+        </p:txBody>
+      </p:sp>
+      <p:sp>
+        <p:nvSpPr>
+          <p:cNvPr id="4" name="Header Placeholder 3"/>
+          <p:cNvSpPr>
+            <a:spLocks noGrp="1"/>
+          </p:cNvSpPr>
+          <p:nvPr>
+            <p:ph type="hdr" sz="quarter" idx="10"/>
+          </p:nvPr>
+        </p:nvSpPr>
+        <p:spPr>
+          <a:xfrm>
+            <a:off x="0" y="0"/>
+            <a:ext cx="2971800" cy="457200"/>
+          </a:xfrm>
+          <a:prstGeom prst="rect">
+            <a:avLst/>
+          </a:prstGeom>
+        </p:spPr>
+        <p:txBody>
+          <a:bodyPr/>
+          <a:lstStyle/>
+          <a:p>
             <a:endParaRPr lang="en-US" dirty="0"/>
           </a:p>
         </p:txBody>
       </p:sp>
       <p:sp>
         <p:nvSpPr>
-          <p:cNvPr id="4" name="Footer Placeholder 3"/>
-          <p:cNvSpPr>
-            <a:spLocks noGrp="1"/>
-          </p:cNvSpPr>
-          <p:nvPr>
-            <p:ph type="ftr" sz="quarter" idx="10"/>
-          </p:nvPr>
-        </p:nvSpPr>
-        <p:spPr/>
+          <p:cNvPr id="5" name="Footer Placeholder 4"/>
+          <p:cNvSpPr>
+            <a:spLocks noGrp="1"/>
+          </p:cNvSpPr>
+          <p:nvPr>
+            <p:ph type="ftr" sz="quarter" idx="11"/>
+          </p:nvPr>
+        </p:nvSpPr>
+        <p:spPr>
+          <a:xfrm>
+            <a:off x="0" y="8686800"/>
+            <a:ext cx="5920740" cy="355964"/>
+          </a:xfrm>
+          <a:prstGeom prst="rect">
+            <a:avLst/>
+          </a:prstGeom>
+        </p:spPr>
         <p:txBody>
           <a:bodyPr/>
           <a:lstStyle/>
@@ -1868,7 +1866,29 @@
                 <a:ea typeface="Segoe UI" pitchFamily="34" charset="0"/>
                 <a:cs typeface="Segoe UI" pitchFamily="34" charset="0"/>
               </a:rPr>
-              <a:t>© 2014 Microsoft Corporation. All rights reserved. Microsoft, Windows, and other product names are or may be registered trademarks and/or trademarks in the U.S. and/or other countries. The information herein is for informational purposes only and represents the current view of Microsoft Corporation as of the date of this presentation.  Because Microsoft must respond to changing market conditions, it should not be interpreted to be a commitment on the part of Microsoft, and Microsoft cannot guarantee the accuracy of any information provided after the date of this presentation.  MICROSOFT MAKES NO WARRANTIES, EXPRESS, IMPLIED OR STATUTORY, AS TO THE INFORMATION IN THIS PRESENTATION.</a:t>
+              <a:t>© 2012 Microsoft Corporation. All rights reserved. Microsoft, Windows, and other product names are or may be registered trademarks and/or trademarks in the U.S. and/or other countries.</a:t>
+            </a:r>
+          </a:p>
+          <a:p>
+            <a:pPr defTabSz="914099" eaLnBrk="0" hangingPunct="0"/>
+            <a:r>
+              <a:rPr lang="en-US" sz="400" smtClean="0">
+                <a:gradFill>
+                  <a:gsLst>
+                    <a:gs pos="0">
+                      <a:prstClr val="black"/>
+                    </a:gs>
+                    <a:gs pos="100000">
+                      <a:prstClr val="black"/>
+                    </a:gs>
+                  </a:gsLst>
+                  <a:lin ang="5400000" scaled="0"/>
+                </a:gradFill>
+                <a:latin typeface="Segoe UI" pitchFamily="34" charset="0"/>
+                <a:ea typeface="Segoe UI" pitchFamily="34" charset="0"/>
+                <a:cs typeface="Segoe UI" pitchFamily="34" charset="0"/>
+              </a:rPr>
+              <a:t>The information herein is for informational purposes only and represents the current view of Microsoft Corporation as of the date of this presentation.  Because Microsoft must respond to changing market conditions, it should not be interpreted to be a commitment on the part of Microsoft, and Microsoft cannot guarantee the accuracy of any information provided after the date of this presentation.  MICROSOFT MAKES NO WARRANTIES, EXPRESS, IMPLIED OR STATUTORY, AS TO THE INFORMATION IN THIS PRESENTATION.</a:t>
             </a:r>
             <a:endParaRPr lang="en-US" sz="400" dirty="0" smtClean="0">
               <a:gradFill>
@@ -1891,12 +1911,12 @@
       </p:sp>
       <p:sp>
         <p:nvSpPr>
-          <p:cNvPr id="5" name="Date Placeholder 4"/>
-          <p:cNvSpPr>
-            <a:spLocks noGrp="1"/>
-          </p:cNvSpPr>
-          <p:nvPr>
-            <p:ph type="dt" idx="11"/>
+          <p:cNvPr id="6" name="Date Placeholder 5"/>
+          <p:cNvSpPr>
+            <a:spLocks noGrp="1"/>
+          </p:cNvSpPr>
+          <p:nvPr>
+            <p:ph type="dt" idx="12"/>
           </p:nvPr>
         </p:nvSpPr>
         <p:spPr/>
@@ -1904,251 +1924,9 @@
           <a:bodyPr/>
           <a:lstStyle/>
           <a:p>
-            <a:fld id="{B079C3B8-7366-4A44-A34B-3977080C19E7}" type="datetime1">
-              <a:rPr lang="en-US" smtClean="0"/>
-              <a:t>10/24/2014</a:t>
-            </a:fld>
-            <a:endParaRPr lang="en-US" dirty="0"/>
-          </a:p>
-        </p:txBody>
-      </p:sp>
-      <p:sp>
-        <p:nvSpPr>
-          <p:cNvPr id="6" name="Slide Number Placeholder 5"/>
-          <p:cNvSpPr>
-            <a:spLocks noGrp="1"/>
-          </p:cNvSpPr>
-          <p:nvPr>
-            <p:ph type="sldNum" sz="quarter" idx="12"/>
-          </p:nvPr>
-        </p:nvSpPr>
-        <p:spPr/>
-        <p:txBody>
-          <a:bodyPr/>
-          <a:lstStyle/>
-          <a:p>
-            <a:fld id="{B4008EB6-D09E-4580-8CD6-DDB14511944F}" type="slidenum">
-              <a:rPr lang="en-US" smtClean="0"/>
-              <a:pPr/>
-              <a:t>24</a:t>
-            </a:fld>
-            <a:endParaRPr lang="en-US" dirty="0"/>
-          </a:p>
-        </p:txBody>
-      </p:sp>
-      <p:sp>
-        <p:nvSpPr>
-          <p:cNvPr id="7" name="Header Placeholder 6"/>
-          <p:cNvSpPr>
-            <a:spLocks noGrp="1"/>
-          </p:cNvSpPr>
-          <p:nvPr>
-            <p:ph type="hdr" sz="quarter" idx="13"/>
-          </p:nvPr>
-        </p:nvSpPr>
-        <p:spPr/>
-        <p:txBody>
-          <a:bodyPr/>
-          <a:lstStyle/>
-          <a:p>
-            <a:r>
-              <a:rPr lang="en-US" smtClean="0"/>
-              <a:t>Build 2014</a:t>
-            </a:r>
-            <a:endParaRPr lang="en-US" dirty="0"/>
-          </a:p>
-        </p:txBody>
-      </p:sp>
-    </p:spTree>
-    <p:extLst>
-      <p:ext uri="{BB962C8B-B14F-4D97-AF65-F5344CB8AC3E}">
-        <p14:creationId xmlns:p14="http://schemas.microsoft.com/office/powerpoint/2010/main" val="3487399188"/>
-      </p:ext>
-    </p:extLst>
-  </p:cSld>
-  <p:clrMapOvr>
-    <a:masterClrMapping/>
-  </p:clrMapOvr>
-</p:notes>
-</file>
-
-<file path=ppt/notesSlides/notesSlide14.xml><?xml version="1.0" encoding="utf-8"?>
-<p:notes xmlns:a="http://schemas.openxmlformats.org/drawingml/2006/main" xmlns:r="http://schemas.openxmlformats.org/officeDocument/2006/relationships" xmlns:p="http://schemas.openxmlformats.org/presentationml/2006/main">
-  <p:cSld>
-    <p:spTree>
-      <p:nvGrpSpPr>
-        <p:cNvPr id="1" name=""/>
-        <p:cNvGrpSpPr/>
-        <p:nvPr/>
-      </p:nvGrpSpPr>
-      <p:grpSpPr>
-        <a:xfrm>
-          <a:off x="0" y="0"/>
-          <a:ext cx="0" cy="0"/>
-          <a:chOff x="0" y="0"/>
-          <a:chExt cx="0" cy="0"/>
-        </a:xfrm>
-      </p:grpSpPr>
-      <p:sp>
-        <p:nvSpPr>
-          <p:cNvPr id="2" name="Slide Image Placeholder 1"/>
-          <p:cNvSpPr>
-            <a:spLocks noGrp="1" noRot="1" noChangeAspect="1"/>
-          </p:cNvSpPr>
-          <p:nvPr>
-            <p:ph type="sldImg"/>
-          </p:nvPr>
-        </p:nvSpPr>
-        <p:spPr/>
-      </p:sp>
-      <p:sp>
-        <p:nvSpPr>
-          <p:cNvPr id="3" name="Notes Placeholder 2"/>
-          <p:cNvSpPr>
-            <a:spLocks noGrp="1"/>
-          </p:cNvSpPr>
-          <p:nvPr>
-            <p:ph type="body" idx="1"/>
-          </p:nvPr>
-        </p:nvSpPr>
-        <p:spPr/>
-        <p:txBody>
-          <a:bodyPr/>
-          <a:lstStyle/>
-          <a:p>
-            <a:endParaRPr lang="en-US"/>
-          </a:p>
-        </p:txBody>
-      </p:sp>
-      <p:sp>
-        <p:nvSpPr>
-          <p:cNvPr id="4" name="Header Placeholder 3"/>
-          <p:cNvSpPr>
-            <a:spLocks noGrp="1"/>
-          </p:cNvSpPr>
-          <p:nvPr>
-            <p:ph type="hdr" sz="quarter" idx="10"/>
-          </p:nvPr>
-        </p:nvSpPr>
-        <p:spPr>
-          <a:xfrm>
-            <a:off x="0" y="0"/>
-            <a:ext cx="2971800" cy="457200"/>
-          </a:xfrm>
-          <a:prstGeom prst="rect">
-            <a:avLst/>
-          </a:prstGeom>
-        </p:spPr>
-        <p:txBody>
-          <a:bodyPr/>
-          <a:lstStyle/>
-          <a:p>
-            <a:endParaRPr lang="en-US" dirty="0"/>
-          </a:p>
-        </p:txBody>
-      </p:sp>
-      <p:sp>
-        <p:nvSpPr>
-          <p:cNvPr id="5" name="Footer Placeholder 4"/>
-          <p:cNvSpPr>
-            <a:spLocks noGrp="1"/>
-          </p:cNvSpPr>
-          <p:nvPr>
-            <p:ph type="ftr" sz="quarter" idx="11"/>
-          </p:nvPr>
-        </p:nvSpPr>
-        <p:spPr>
-          <a:xfrm>
-            <a:off x="0" y="8686800"/>
-            <a:ext cx="5920740" cy="355964"/>
-          </a:xfrm>
-          <a:prstGeom prst="rect">
-            <a:avLst/>
-          </a:prstGeom>
-        </p:spPr>
-        <p:txBody>
-          <a:bodyPr/>
-          <a:lstStyle/>
-          <a:p>
-            <a:pPr defTabSz="914099" eaLnBrk="0" hangingPunct="0"/>
-            <a:r>
-              <a:rPr lang="en-US" sz="400" smtClean="0">
-                <a:gradFill>
-                  <a:gsLst>
-                    <a:gs pos="0">
-                      <a:prstClr val="black"/>
-                    </a:gs>
-                    <a:gs pos="100000">
-                      <a:prstClr val="black"/>
-                    </a:gs>
-                  </a:gsLst>
-                  <a:lin ang="5400000" scaled="0"/>
-                </a:gradFill>
-                <a:latin typeface="Segoe UI" pitchFamily="34" charset="0"/>
-                <a:ea typeface="Segoe UI" pitchFamily="34" charset="0"/>
-                <a:cs typeface="Segoe UI" pitchFamily="34" charset="0"/>
-              </a:rPr>
-              <a:t>© 2012 Microsoft Corporation. All rights reserved. Microsoft, Windows, and other product names are or may be registered trademarks and/or trademarks in the U.S. and/or other countries.</a:t>
-            </a:r>
-          </a:p>
-          <a:p>
-            <a:pPr defTabSz="914099" eaLnBrk="0" hangingPunct="0"/>
-            <a:r>
-              <a:rPr lang="en-US" sz="400" smtClean="0">
-                <a:gradFill>
-                  <a:gsLst>
-                    <a:gs pos="0">
-                      <a:prstClr val="black"/>
-                    </a:gs>
-                    <a:gs pos="100000">
-                      <a:prstClr val="black"/>
-                    </a:gs>
-                  </a:gsLst>
-                  <a:lin ang="5400000" scaled="0"/>
-                </a:gradFill>
-                <a:latin typeface="Segoe UI" pitchFamily="34" charset="0"/>
-                <a:ea typeface="Segoe UI" pitchFamily="34" charset="0"/>
-                <a:cs typeface="Segoe UI" pitchFamily="34" charset="0"/>
-              </a:rPr>
-              <a:t>The information herein is for informational purposes only and represents the current view of Microsoft Corporation as of the date of this presentation.  Because Microsoft must respond to changing market conditions, it should not be interpreted to be a commitment on the part of Microsoft, and Microsoft cannot guarantee the accuracy of any information provided after the date of this presentation.  MICROSOFT MAKES NO WARRANTIES, EXPRESS, IMPLIED OR STATUTORY, AS TO THE INFORMATION IN THIS PRESENTATION.</a:t>
-            </a:r>
-            <a:endParaRPr lang="en-US" sz="400" dirty="0" smtClean="0">
-              <a:gradFill>
-                <a:gsLst>
-                  <a:gs pos="0">
-                    <a:prstClr val="black"/>
-                  </a:gs>
-                  <a:gs pos="100000">
-                    <a:prstClr val="black"/>
-                  </a:gs>
-                </a:gsLst>
-                <a:lin ang="5400000" scaled="0"/>
-              </a:gradFill>
-              <a:latin typeface="Segoe UI" pitchFamily="34" charset="0"/>
-              <a:ea typeface="Segoe UI" pitchFamily="34" charset="0"/>
-              <a:cs typeface="Segoe UI" pitchFamily="34" charset="0"/>
-            </a:endParaRPr>
-          </a:p>
-        </p:txBody>
-      </p:sp>
-      <p:sp>
-        <p:nvSpPr>
-          <p:cNvPr id="6" name="Date Placeholder 5"/>
-          <p:cNvSpPr>
-            <a:spLocks noGrp="1"/>
-          </p:cNvSpPr>
-          <p:nvPr>
-            <p:ph type="dt" idx="12"/>
-          </p:nvPr>
-        </p:nvSpPr>
-        <p:spPr/>
-        <p:txBody>
-          <a:bodyPr/>
-          <a:lstStyle/>
-          <a:p>
             <a:fld id="{0BB6559B-C68D-49B4-97AE-9BB74C417927}" type="datetime1">
               <a:rPr lang="en-US" smtClean="0"/>
-              <a:t>10/24/2014</a:t>
+              <a:t>10/31/2014</a:t>
             </a:fld>
             <a:endParaRPr lang="en-US"/>
           </a:p>
@@ -2309,7 +2087,7 @@
           <a:p>
             <a:fld id="{B079C3B8-7366-4A44-A34B-3977080C19E7}" type="datetime1">
               <a:rPr lang="en-US" smtClean="0"/>
-              <a:t>10/24/2014</a:t>
+              <a:t>10/31/2014</a:t>
             </a:fld>
             <a:endParaRPr lang="en-US" dirty="0"/>
           </a:p>
@@ -2513,7 +2291,7 @@
                 </a:solidFill>
               </a:rPr>
               <a:pPr/>
-              <a:t>10/24/2014</a:t>
+              <a:t>10/31/2014</a:t>
             </a:fld>
             <a:endParaRPr lang="en-US" dirty="0">
               <a:solidFill>
@@ -2637,7 +2415,7 @@
           <a:p>
             <a:fld id="{4883B839-3E2D-461F-9C7C-0ECB651581FB}" type="datetime1">
               <a:rPr lang="en-US" smtClean="0"/>
-              <a:t>10/24/2014</a:t>
+              <a:t>10/31/2014</a:t>
             </a:fld>
             <a:endParaRPr lang="en-US"/>
           </a:p>
@@ -2879,7 +2657,7 @@
           <a:p>
             <a:fld id="{0056F32C-2241-48E6-8388-F77F68CEAFB8}" type="datetime1">
               <a:rPr lang="en-US" smtClean="0"/>
-              <a:t>10/24/2014</a:t>
+              <a:t>10/31/2014</a:t>
             </a:fld>
             <a:endParaRPr lang="en-US"/>
           </a:p>
@@ -3085,7 +2863,7 @@
           <a:p>
             <a:fld id="{6559E235-6933-4AAE-8A0A-F0BAC5F37D5D}" type="datetime1">
               <a:rPr lang="en-US" smtClean="0"/>
-              <a:t>10/24/2014</a:t>
+              <a:t>10/31/2014</a:t>
             </a:fld>
             <a:endParaRPr lang="en-US"/>
           </a:p>
@@ -3291,7 +3069,7 @@
           <a:p>
             <a:fld id="{F4ED0980-F356-492E-AEE0-341D5AB7B1F8}" type="datetime1">
               <a:rPr lang="en-US" smtClean="0"/>
-              <a:t>10/24/2014</a:t>
+              <a:t>10/31/2014</a:t>
             </a:fld>
             <a:endParaRPr lang="en-US"/>
           </a:p>
@@ -3495,9 +3273,9 @@
           <a:bodyPr/>
           <a:lstStyle/>
           <a:p>
-            <a:fld id="{23FDFFE0-9E47-4B8C-842E-FA426FE218C8}" type="datetime1">
+            <a:fld id="{2A3605A0-08D1-4044-9943-AB3F095502B7}" type="datetime1">
               <a:rPr lang="en-US" smtClean="0"/>
-              <a:t>10/24/2014</a:t>
+              <a:t>10/31/2014</a:t>
             </a:fld>
             <a:endParaRPr lang="en-US"/>
           </a:p>
@@ -3628,7 +3406,7 @@
     </p:spTree>
     <p:extLst>
       <p:ext uri="{BB962C8B-B14F-4D97-AF65-F5344CB8AC3E}">
-        <p14:creationId xmlns:p14="http://schemas.microsoft.com/office/powerpoint/2010/main" val="227836518"/>
+        <p14:creationId xmlns:p14="http://schemas.microsoft.com/office/powerpoint/2010/main" val="2228991890"/>
       </p:ext>
     </p:extLst>
   </p:cSld>
@@ -3741,7 +3519,7 @@
           <a:p>
             <a:fld id="{EF0BC8FF-1410-4CCA-B01C-BFED761700B3}" type="datetime1">
               <a:rPr lang="en-US" smtClean="0"/>
-              <a:t>10/24/2014</a:t>
+              <a:t>10/31/2014</a:t>
             </a:fld>
             <a:endParaRPr lang="en-US"/>
           </a:p>
@@ -3764,7 +3542,7 @@
           <a:p>
             <a:fld id="{B4008EB6-D09E-4580-8CD6-DDB14511944F}" type="slidenum">
               <a:rPr lang="en-US" smtClean="0"/>
-              <a:t>19</a:t>
+              <a:t>20</a:t>
             </a:fld>
             <a:endParaRPr lang="en-US" dirty="0"/>
           </a:p>
@@ -14106,15 +13884,13 @@
             <a:pPr lvl="1"/>
             <a:r>
               <a:rPr lang="en-US" sz="1800" b="1" dirty="0"/>
-              <a:t>https://outlook.office365.com/ews/odata/Me/Inbox/Messages</a:t>
-            </a:r>
-          </a:p>
-          <a:p>
-            <a:pPr lvl="1"/>
-            <a:r>
-              <a:rPr lang="en-US" sz="1800" b="1" dirty="0"/>
-              <a:t>https://outlook.office365.com/ews/odata/Me/Events</a:t>
-            </a:r>
+              <a:t>https://</a:t>
+            </a:r>
+            <a:r>
+              <a:rPr lang="en-US" sz="1800" b="1" dirty="0" smtClean="0"/>
+              <a:t>outlook.office365.com/api/v1.0/Me/Messages</a:t>
+            </a:r>
+            <a:endParaRPr lang="en-US" sz="1800" b="1" dirty="0"/>
           </a:p>
           <a:p>
             <a:pPr lvl="1"/>
@@ -14128,7 +13904,19 @@
             </a:r>
             <a:r>
               <a:rPr lang="en-US" sz="1800" b="1" dirty="0" smtClean="0"/>
-              <a:t>outlook.office365.com/ews/odata/Me/Contacts</a:t>
+              <a:t>outlook.office365.com/api/v1.0/Me/Events</a:t>
+            </a:r>
+            <a:endParaRPr lang="en-US" sz="1800" b="1" dirty="0"/>
+          </a:p>
+          <a:p>
+            <a:pPr lvl="1"/>
+            <a:r>
+              <a:rPr lang="en-US" sz="1800" b="1" dirty="0" smtClean="0"/>
+              <a:t>https</a:t>
+            </a:r>
+            <a:r>
+              <a:rPr lang="en-US" sz="1800" b="1" dirty="0"/>
+              <a:t>://outlook.office365.com/api/v1.0/Me/Contacts</a:t>
             </a:r>
           </a:p>
           <a:p>
@@ -14139,16 +13927,17 @@
             </a:pPr>
             <a:r>
               <a:rPr lang="en-US" sz="3600" dirty="0" smtClean="0"/>
-              <a:t>Office 365 APIs accessible through </a:t>
+              <a:t>Office </a:t>
+            </a:r>
+            <a:r>
+              <a:rPr lang="en-US" sz="3600" dirty="0" smtClean="0"/>
+              <a:t>365 APIs accessible through </a:t>
             </a:r>
             <a:r>
               <a:rPr lang="en-US" sz="3600" dirty="0" err="1" smtClean="0"/>
-              <a:t>ExchangeClient</a:t>
-            </a:r>
-            <a:r>
-              <a:rPr lang="en-US" sz="3600" dirty="0" smtClean="0"/>
-              <a:t> library</a:t>
-            </a:r>
+              <a:t>OutlookServicesClient</a:t>
+            </a:r>
+            <a:endParaRPr lang="en-US" sz="3600" dirty="0" smtClean="0"/>
           </a:p>
           <a:p>
             <a:pPr lvl="1"/>
@@ -15105,9 +14894,56 @@
           <a:chExt cx="0" cy="0"/>
         </a:xfrm>
       </p:grpSpPr>
+      <p:sp>
+        <p:nvSpPr>
+          <p:cNvPr id="2" name="Title 1"/>
+          <p:cNvSpPr>
+            <a:spLocks noGrp="1"/>
+          </p:cNvSpPr>
+          <p:nvPr>
+            <p:ph type="title"/>
+          </p:nvPr>
+        </p:nvSpPr>
+        <p:spPr/>
+        <p:txBody>
+          <a:bodyPr/>
+          <a:lstStyle/>
+          <a:p>
+            <a:r>
+              <a:rPr lang="en-US" dirty="0" smtClean="0"/>
+              <a:t>Coding the Discovery Service</a:t>
+            </a:r>
+            <a:endParaRPr lang="en-US" dirty="0"/>
+          </a:p>
+        </p:txBody>
+      </p:sp>
+      <p:sp>
+        <p:nvSpPr>
+          <p:cNvPr id="3" name="Slide Number Placeholder 2"/>
+          <p:cNvSpPr>
+            <a:spLocks noGrp="1"/>
+          </p:cNvSpPr>
+          <p:nvPr>
+            <p:ph type="sldNum" sz="quarter" idx="12"/>
+          </p:nvPr>
+        </p:nvSpPr>
+        <p:spPr/>
+        <p:txBody>
+          <a:bodyPr/>
+          <a:lstStyle/>
+          <a:p>
+            <a:fld id="{727B4C2D-45E2-4621-8491-2995EB46A674}" type="slidenum">
+              <a:rPr lang="en-US" smtClean="0"/>
+              <a:pPr/>
+              <a:t>17</a:t>
+            </a:fld>
+            <a:endParaRPr lang="en-US" dirty="0"/>
+          </a:p>
+        </p:txBody>
+      </p:sp>
       <p:pic>
         <p:nvPicPr>
-          <p:cNvPr id="2" name="Picture 1"/>
+          <p:cNvPr id="4" name="Picture 3"/>
           <p:cNvPicPr>
             <a:picLocks noChangeAspect="1"/>
           </p:cNvPicPr>
@@ -15121,705 +14957,18 @@
         </p:blipFill>
         <p:spPr>
           <a:xfrm>
-            <a:off x="658637" y="101719"/>
-            <a:ext cx="8545325" cy="6646942"/>
-          </a:xfrm>
-          <a:prstGeom prst="rect">
-            <a:avLst/>
-          </a:prstGeom>
-          <a:ln>
-            <a:solidFill>
-              <a:schemeClr val="bg1">
-                <a:lumMod val="50000"/>
-              </a:schemeClr>
-            </a:solidFill>
-          </a:ln>
-        </p:spPr>
-      </p:pic>
-      <p:sp>
-        <p:nvSpPr>
-          <p:cNvPr id="4" name="Slide Number Placeholder 3"/>
-          <p:cNvSpPr>
-            <a:spLocks noGrp="1"/>
-          </p:cNvSpPr>
-          <p:nvPr>
-            <p:ph type="sldNum" sz="quarter" idx="4294967295"/>
-          </p:nvPr>
-        </p:nvSpPr>
-        <p:spPr>
-          <a:xfrm>
-            <a:off x="0" y="6399213"/>
-            <a:ext cx="560388" cy="219075"/>
+            <a:off x="638833" y="1285883"/>
+            <a:ext cx="10867820" cy="4200517"/>
           </a:xfrm>
           <a:prstGeom prst="rect">
             <a:avLst/>
           </a:prstGeom>
         </p:spPr>
-        <p:txBody>
-          <a:bodyPr/>
-          <a:lstStyle/>
-          <a:p>
-            <a:fld id="{727B4C2D-45E2-4621-8491-2995EB46A674}" type="slidenum">
-              <a:rPr lang="en-US" smtClean="0"/>
-              <a:pPr/>
-              <a:t>17</a:t>
-            </a:fld>
-            <a:endParaRPr lang="en-US" dirty="0"/>
-          </a:p>
-        </p:txBody>
-      </p:sp>
-      <p:sp>
-        <p:nvSpPr>
-          <p:cNvPr id="8" name="Text Placeholder 6"/>
-          <p:cNvSpPr txBox="1">
-            <a:spLocks/>
-          </p:cNvSpPr>
-          <p:nvPr/>
-        </p:nvSpPr>
-        <p:spPr>
-          <a:xfrm>
-            <a:off x="7676766" y="1394315"/>
-            <a:ext cx="3625818" cy="771763"/>
-          </a:xfrm>
-          <a:prstGeom prst="rect">
-            <a:avLst/>
-          </a:prstGeom>
-          <a:solidFill>
-            <a:schemeClr val="accent2">
-              <a:lumMod val="20000"/>
-              <a:lumOff val="80000"/>
-            </a:schemeClr>
-          </a:solidFill>
-          <a:ln>
-            <a:solidFill>
-              <a:schemeClr val="bg1">
-                <a:lumMod val="65000"/>
-              </a:schemeClr>
-            </a:solidFill>
-          </a:ln>
-        </p:spPr>
-        <p:txBody>
-          <a:bodyPr lIns="91440" tIns="182880" rIns="91440"/>
-          <a:lstStyle>
-            <a:lvl1pPr marL="339725" marR="0" indent="-339725" algn="l" defTabSz="914363" rtl="0" eaLnBrk="1" fontAlgn="auto" latinLnBrk="0" hangingPunct="1">
-              <a:lnSpc>
-                <a:spcPct val="90000"/>
-              </a:lnSpc>
-              <a:spcBef>
-                <a:spcPct val="20000"/>
-              </a:spcBef>
-              <a:spcAft>
-                <a:spcPts val="0"/>
-              </a:spcAft>
-              <a:buClrTx/>
-              <a:buSzPct val="80000"/>
-              <a:buFont typeface="Arial" pitchFamily="34" charset="0"/>
-              <a:buChar char="•"/>
-              <a:tabLst/>
-              <a:defRPr sz="3600" kern="1200" spc="-70" baseline="0">
-                <a:gradFill>
-                  <a:gsLst>
-                    <a:gs pos="1250">
-                      <a:schemeClr val="bg2"/>
-                    </a:gs>
-                    <a:gs pos="100000">
-                      <a:schemeClr val="bg2"/>
-                    </a:gs>
-                  </a:gsLst>
-                  <a:lin ang="5400000" scaled="0"/>
-                </a:gradFill>
-                <a:latin typeface="+mj-lt"/>
-                <a:ea typeface="+mn-ea"/>
-                <a:cs typeface="+mn-cs"/>
-              </a:defRPr>
-            </a:lvl1pPr>
-            <a:lvl2pPr marL="573088" marR="0" indent="-233363" algn="l" defTabSz="914363" rtl="0" eaLnBrk="1" fontAlgn="auto" latinLnBrk="0" hangingPunct="1">
-              <a:lnSpc>
-                <a:spcPct val="90000"/>
-              </a:lnSpc>
-              <a:spcBef>
-                <a:spcPct val="20000"/>
-              </a:spcBef>
-              <a:spcAft>
-                <a:spcPts val="0"/>
-              </a:spcAft>
-              <a:buClrTx/>
-              <a:buSzPct val="90000"/>
-              <a:buFont typeface="Wingdings" pitchFamily="2" charset="2"/>
-              <a:buChar char=""/>
-              <a:tabLst/>
-              <a:defRPr sz="2400" kern="1200" spc="0" baseline="0">
-                <a:gradFill>
-                  <a:gsLst>
-                    <a:gs pos="1250">
-                      <a:schemeClr val="bg2"/>
-                    </a:gs>
-                    <a:gs pos="100000">
-                      <a:schemeClr val="bg2"/>
-                    </a:gs>
-                  </a:gsLst>
-                  <a:lin ang="5400000" scaled="0"/>
-                </a:gradFill>
-                <a:latin typeface="+mn-lt"/>
-                <a:ea typeface="+mn-ea"/>
-                <a:cs typeface="+mn-cs"/>
-              </a:defRPr>
-            </a:lvl2pPr>
-            <a:lvl3pPr marL="798513" marR="0" indent="-225425" algn="l" defTabSz="914363" rtl="0" eaLnBrk="1" fontAlgn="auto" latinLnBrk="0" hangingPunct="1">
-              <a:lnSpc>
-                <a:spcPct val="90000"/>
-              </a:lnSpc>
-              <a:spcBef>
-                <a:spcPct val="20000"/>
-              </a:spcBef>
-              <a:spcAft>
-                <a:spcPts val="0"/>
-              </a:spcAft>
-              <a:buClrTx/>
-              <a:buSzPct val="90000"/>
-              <a:buFont typeface="Wingdings" pitchFamily="2" charset="2"/>
-              <a:buChar char=""/>
-              <a:tabLst>
-                <a:tab pos="798513" algn="l"/>
-              </a:tabLst>
-              <a:defRPr sz="2400" kern="1200" spc="0" baseline="0">
-                <a:gradFill>
-                  <a:gsLst>
-                    <a:gs pos="1250">
-                      <a:schemeClr val="bg2"/>
-                    </a:gs>
-                    <a:gs pos="100000">
-                      <a:schemeClr val="bg2"/>
-                    </a:gs>
-                  </a:gsLst>
-                  <a:lin ang="5400000" scaled="0"/>
-                </a:gradFill>
-                <a:latin typeface="+mn-lt"/>
-                <a:ea typeface="+mn-ea"/>
-                <a:cs typeface="+mn-cs"/>
-              </a:defRPr>
-            </a:lvl3pPr>
-            <a:lvl4pPr marL="1030288" marR="0" indent="-231775" algn="l" defTabSz="914363" rtl="0" eaLnBrk="1" fontAlgn="auto" latinLnBrk="0" hangingPunct="1">
-              <a:lnSpc>
-                <a:spcPct val="90000"/>
-              </a:lnSpc>
-              <a:spcBef>
-                <a:spcPct val="20000"/>
-              </a:spcBef>
-              <a:spcAft>
-                <a:spcPts val="0"/>
-              </a:spcAft>
-              <a:buClrTx/>
-              <a:buSzPct val="90000"/>
-              <a:buFont typeface="Wingdings" pitchFamily="2" charset="2"/>
-              <a:buChar char=""/>
-              <a:tabLst/>
-              <a:defRPr sz="2000" kern="1200" spc="0" baseline="0">
-                <a:gradFill>
-                  <a:gsLst>
-                    <a:gs pos="1250">
-                      <a:schemeClr val="bg2"/>
-                    </a:gs>
-                    <a:gs pos="100000">
-                      <a:schemeClr val="bg2"/>
-                    </a:gs>
-                  </a:gsLst>
-                  <a:lin ang="5400000" scaled="0"/>
-                </a:gradFill>
-                <a:latin typeface="+mn-lt"/>
-                <a:ea typeface="+mn-ea"/>
-                <a:cs typeface="+mn-cs"/>
-              </a:defRPr>
-            </a:lvl4pPr>
-            <a:lvl5pPr marL="1255713" marR="0" indent="-225425" algn="l" defTabSz="914363" rtl="0" eaLnBrk="1" fontAlgn="auto" latinLnBrk="0" hangingPunct="1">
-              <a:lnSpc>
-                <a:spcPct val="90000"/>
-              </a:lnSpc>
-              <a:spcBef>
-                <a:spcPct val="20000"/>
-              </a:spcBef>
-              <a:spcAft>
-                <a:spcPts val="0"/>
-              </a:spcAft>
-              <a:buClrTx/>
-              <a:buSzPct val="90000"/>
-              <a:buFont typeface="Wingdings" pitchFamily="2" charset="2"/>
-              <a:buChar char=""/>
-              <a:tabLst>
-                <a:tab pos="1255713" algn="l"/>
-              </a:tabLst>
-              <a:defRPr sz="2000" kern="1200" spc="0" baseline="0">
-                <a:gradFill>
-                  <a:gsLst>
-                    <a:gs pos="1250">
-                      <a:schemeClr val="bg2"/>
-                    </a:gs>
-                    <a:gs pos="100000">
-                      <a:schemeClr val="bg2"/>
-                    </a:gs>
-                  </a:gsLst>
-                  <a:lin ang="5400000" scaled="0"/>
-                </a:gradFill>
-                <a:latin typeface="+mn-lt"/>
-                <a:ea typeface="+mn-ea"/>
-                <a:cs typeface="+mn-cs"/>
-              </a:defRPr>
-            </a:lvl5pPr>
-            <a:lvl6pPr marL="2514499" indent="-228591" algn="l" defTabSz="914363" rtl="0" eaLnBrk="1" latinLnBrk="0" hangingPunct="1">
-              <a:spcBef>
-                <a:spcPct val="20000"/>
-              </a:spcBef>
-              <a:buFont typeface="Arial" pitchFamily="34" charset="0"/>
-              <a:buChar char="•"/>
-              <a:defRPr sz="2000" kern="1200">
-                <a:solidFill>
-                  <a:schemeClr val="tx1"/>
-                </a:solidFill>
-                <a:latin typeface="+mn-lt"/>
-                <a:ea typeface="+mn-ea"/>
-                <a:cs typeface="+mn-cs"/>
-              </a:defRPr>
-            </a:lvl6pPr>
-            <a:lvl7pPr marL="2971681" indent="-228591" algn="l" defTabSz="914363" rtl="0" eaLnBrk="1" latinLnBrk="0" hangingPunct="1">
-              <a:spcBef>
-                <a:spcPct val="20000"/>
-              </a:spcBef>
-              <a:buFont typeface="Arial" pitchFamily="34" charset="0"/>
-              <a:buChar char="•"/>
-              <a:defRPr sz="2000" kern="1200">
-                <a:solidFill>
-                  <a:schemeClr val="tx1"/>
-                </a:solidFill>
-                <a:latin typeface="+mn-lt"/>
-                <a:ea typeface="+mn-ea"/>
-                <a:cs typeface="+mn-cs"/>
-              </a:defRPr>
-            </a:lvl7pPr>
-            <a:lvl8pPr marL="3428863" indent="-228591" algn="l" defTabSz="914363" rtl="0" eaLnBrk="1" latinLnBrk="0" hangingPunct="1">
-              <a:spcBef>
-                <a:spcPct val="20000"/>
-              </a:spcBef>
-              <a:buFont typeface="Arial" pitchFamily="34" charset="0"/>
-              <a:buChar char="•"/>
-              <a:defRPr sz="2000" kern="1200">
-                <a:solidFill>
-                  <a:schemeClr val="tx1"/>
-                </a:solidFill>
-                <a:latin typeface="+mn-lt"/>
-                <a:ea typeface="+mn-ea"/>
-                <a:cs typeface="+mn-cs"/>
-              </a:defRPr>
-            </a:lvl8pPr>
-            <a:lvl9pPr marL="3886045" indent="-228591" algn="l" defTabSz="914363" rtl="0" eaLnBrk="1" latinLnBrk="0" hangingPunct="1">
-              <a:spcBef>
-                <a:spcPct val="20000"/>
-              </a:spcBef>
-              <a:buFont typeface="Arial" pitchFamily="34" charset="0"/>
-              <a:buChar char="•"/>
-              <a:defRPr sz="2000" kern="1200">
-                <a:solidFill>
-                  <a:schemeClr val="tx1"/>
-                </a:solidFill>
-                <a:latin typeface="+mn-lt"/>
-                <a:ea typeface="+mn-ea"/>
-                <a:cs typeface="+mn-cs"/>
-              </a:defRPr>
-            </a:lvl9pPr>
-          </a:lstStyle>
-          <a:p>
-            <a:pPr marL="0" indent="0">
-              <a:buNone/>
-            </a:pPr>
-            <a:r>
-              <a:rPr lang="en-US" sz="1800" dirty="0" smtClean="0">
-                <a:solidFill>
-                  <a:srgbClr val="FF0000"/>
-                </a:solidFill>
-              </a:rPr>
-              <a:t>Discovery service resource using </a:t>
-            </a:r>
-            <a:r>
-              <a:rPr lang="en-US" sz="1800" b="1" dirty="0" err="1" smtClean="0">
-                <a:solidFill>
-                  <a:srgbClr val="FF0000"/>
-                </a:solidFill>
-              </a:rPr>
-              <a:t>DiscoverResourceAsync</a:t>
-            </a:r>
-            <a:endParaRPr lang="en-US" sz="1800" b="1" dirty="0" smtClean="0">
-              <a:solidFill>
-                <a:srgbClr val="FF0000"/>
-              </a:solidFill>
-            </a:endParaRPr>
-          </a:p>
-        </p:txBody>
-      </p:sp>
-      <p:sp>
-        <p:nvSpPr>
-          <p:cNvPr id="9" name="Text Placeholder 6"/>
-          <p:cNvSpPr txBox="1">
-            <a:spLocks/>
-          </p:cNvSpPr>
-          <p:nvPr/>
-        </p:nvSpPr>
-        <p:spPr>
-          <a:xfrm>
-            <a:off x="6468256" y="5832315"/>
-            <a:ext cx="5368978" cy="566898"/>
-          </a:xfrm>
-          <a:prstGeom prst="rect">
-            <a:avLst/>
-          </a:prstGeom>
-          <a:solidFill>
-            <a:schemeClr val="accent2">
-              <a:lumMod val="20000"/>
-              <a:lumOff val="80000"/>
-            </a:schemeClr>
-          </a:solidFill>
-          <a:ln>
-            <a:solidFill>
-              <a:schemeClr val="bg1">
-                <a:lumMod val="65000"/>
-              </a:schemeClr>
-            </a:solidFill>
-          </a:ln>
-        </p:spPr>
-        <p:txBody>
-          <a:bodyPr lIns="91440" tIns="182880" rIns="91440"/>
-          <a:lstStyle>
-            <a:lvl1pPr marL="339725" marR="0" indent="-339725" algn="l" defTabSz="914363" rtl="0" eaLnBrk="1" fontAlgn="auto" latinLnBrk="0" hangingPunct="1">
-              <a:lnSpc>
-                <a:spcPct val="90000"/>
-              </a:lnSpc>
-              <a:spcBef>
-                <a:spcPct val="20000"/>
-              </a:spcBef>
-              <a:spcAft>
-                <a:spcPts val="0"/>
-              </a:spcAft>
-              <a:buClrTx/>
-              <a:buSzPct val="80000"/>
-              <a:buFont typeface="Arial" pitchFamily="34" charset="0"/>
-              <a:buChar char="•"/>
-              <a:tabLst/>
-              <a:defRPr sz="3600" kern="1200" spc="-70" baseline="0">
-                <a:gradFill>
-                  <a:gsLst>
-                    <a:gs pos="1250">
-                      <a:schemeClr val="bg2"/>
-                    </a:gs>
-                    <a:gs pos="100000">
-                      <a:schemeClr val="bg2"/>
-                    </a:gs>
-                  </a:gsLst>
-                  <a:lin ang="5400000" scaled="0"/>
-                </a:gradFill>
-                <a:latin typeface="+mj-lt"/>
-                <a:ea typeface="+mn-ea"/>
-                <a:cs typeface="+mn-cs"/>
-              </a:defRPr>
-            </a:lvl1pPr>
-            <a:lvl2pPr marL="573088" marR="0" indent="-233363" algn="l" defTabSz="914363" rtl="0" eaLnBrk="1" fontAlgn="auto" latinLnBrk="0" hangingPunct="1">
-              <a:lnSpc>
-                <a:spcPct val="90000"/>
-              </a:lnSpc>
-              <a:spcBef>
-                <a:spcPct val="20000"/>
-              </a:spcBef>
-              <a:spcAft>
-                <a:spcPts val="0"/>
-              </a:spcAft>
-              <a:buClrTx/>
-              <a:buSzPct val="90000"/>
-              <a:buFont typeface="Wingdings" pitchFamily="2" charset="2"/>
-              <a:buChar char=""/>
-              <a:tabLst/>
-              <a:defRPr sz="2400" kern="1200" spc="0" baseline="0">
-                <a:gradFill>
-                  <a:gsLst>
-                    <a:gs pos="1250">
-                      <a:schemeClr val="bg2"/>
-                    </a:gs>
-                    <a:gs pos="100000">
-                      <a:schemeClr val="bg2"/>
-                    </a:gs>
-                  </a:gsLst>
-                  <a:lin ang="5400000" scaled="0"/>
-                </a:gradFill>
-                <a:latin typeface="+mn-lt"/>
-                <a:ea typeface="+mn-ea"/>
-                <a:cs typeface="+mn-cs"/>
-              </a:defRPr>
-            </a:lvl2pPr>
-            <a:lvl3pPr marL="798513" marR="0" indent="-225425" algn="l" defTabSz="914363" rtl="0" eaLnBrk="1" fontAlgn="auto" latinLnBrk="0" hangingPunct="1">
-              <a:lnSpc>
-                <a:spcPct val="90000"/>
-              </a:lnSpc>
-              <a:spcBef>
-                <a:spcPct val="20000"/>
-              </a:spcBef>
-              <a:spcAft>
-                <a:spcPts val="0"/>
-              </a:spcAft>
-              <a:buClrTx/>
-              <a:buSzPct val="90000"/>
-              <a:buFont typeface="Wingdings" pitchFamily="2" charset="2"/>
-              <a:buChar char=""/>
-              <a:tabLst>
-                <a:tab pos="798513" algn="l"/>
-              </a:tabLst>
-              <a:defRPr sz="2400" kern="1200" spc="0" baseline="0">
-                <a:gradFill>
-                  <a:gsLst>
-                    <a:gs pos="1250">
-                      <a:schemeClr val="bg2"/>
-                    </a:gs>
-                    <a:gs pos="100000">
-                      <a:schemeClr val="bg2"/>
-                    </a:gs>
-                  </a:gsLst>
-                  <a:lin ang="5400000" scaled="0"/>
-                </a:gradFill>
-                <a:latin typeface="+mn-lt"/>
-                <a:ea typeface="+mn-ea"/>
-                <a:cs typeface="+mn-cs"/>
-              </a:defRPr>
-            </a:lvl3pPr>
-            <a:lvl4pPr marL="1030288" marR="0" indent="-231775" algn="l" defTabSz="914363" rtl="0" eaLnBrk="1" fontAlgn="auto" latinLnBrk="0" hangingPunct="1">
-              <a:lnSpc>
-                <a:spcPct val="90000"/>
-              </a:lnSpc>
-              <a:spcBef>
-                <a:spcPct val="20000"/>
-              </a:spcBef>
-              <a:spcAft>
-                <a:spcPts val="0"/>
-              </a:spcAft>
-              <a:buClrTx/>
-              <a:buSzPct val="90000"/>
-              <a:buFont typeface="Wingdings" pitchFamily="2" charset="2"/>
-              <a:buChar char=""/>
-              <a:tabLst/>
-              <a:defRPr sz="2000" kern="1200" spc="0" baseline="0">
-                <a:gradFill>
-                  <a:gsLst>
-                    <a:gs pos="1250">
-                      <a:schemeClr val="bg2"/>
-                    </a:gs>
-                    <a:gs pos="100000">
-                      <a:schemeClr val="bg2"/>
-                    </a:gs>
-                  </a:gsLst>
-                  <a:lin ang="5400000" scaled="0"/>
-                </a:gradFill>
-                <a:latin typeface="+mn-lt"/>
-                <a:ea typeface="+mn-ea"/>
-                <a:cs typeface="+mn-cs"/>
-              </a:defRPr>
-            </a:lvl4pPr>
-            <a:lvl5pPr marL="1255713" marR="0" indent="-225425" algn="l" defTabSz="914363" rtl="0" eaLnBrk="1" fontAlgn="auto" latinLnBrk="0" hangingPunct="1">
-              <a:lnSpc>
-                <a:spcPct val="90000"/>
-              </a:lnSpc>
-              <a:spcBef>
-                <a:spcPct val="20000"/>
-              </a:spcBef>
-              <a:spcAft>
-                <a:spcPts val="0"/>
-              </a:spcAft>
-              <a:buClrTx/>
-              <a:buSzPct val="90000"/>
-              <a:buFont typeface="Wingdings" pitchFamily="2" charset="2"/>
-              <a:buChar char=""/>
-              <a:tabLst>
-                <a:tab pos="1255713" algn="l"/>
-              </a:tabLst>
-              <a:defRPr sz="2000" kern="1200" spc="0" baseline="0">
-                <a:gradFill>
-                  <a:gsLst>
-                    <a:gs pos="1250">
-                      <a:schemeClr val="bg2"/>
-                    </a:gs>
-                    <a:gs pos="100000">
-                      <a:schemeClr val="bg2"/>
-                    </a:gs>
-                  </a:gsLst>
-                  <a:lin ang="5400000" scaled="0"/>
-                </a:gradFill>
-                <a:latin typeface="+mn-lt"/>
-                <a:ea typeface="+mn-ea"/>
-                <a:cs typeface="+mn-cs"/>
-              </a:defRPr>
-            </a:lvl5pPr>
-            <a:lvl6pPr marL="2514499" indent="-228591" algn="l" defTabSz="914363" rtl="0" eaLnBrk="1" latinLnBrk="0" hangingPunct="1">
-              <a:spcBef>
-                <a:spcPct val="20000"/>
-              </a:spcBef>
-              <a:buFont typeface="Arial" pitchFamily="34" charset="0"/>
-              <a:buChar char="•"/>
-              <a:defRPr sz="2000" kern="1200">
-                <a:solidFill>
-                  <a:schemeClr val="tx1"/>
-                </a:solidFill>
-                <a:latin typeface="+mn-lt"/>
-                <a:ea typeface="+mn-ea"/>
-                <a:cs typeface="+mn-cs"/>
-              </a:defRPr>
-            </a:lvl6pPr>
-            <a:lvl7pPr marL="2971681" indent="-228591" algn="l" defTabSz="914363" rtl="0" eaLnBrk="1" latinLnBrk="0" hangingPunct="1">
-              <a:spcBef>
-                <a:spcPct val="20000"/>
-              </a:spcBef>
-              <a:buFont typeface="Arial" pitchFamily="34" charset="0"/>
-              <a:buChar char="•"/>
-              <a:defRPr sz="2000" kern="1200">
-                <a:solidFill>
-                  <a:schemeClr val="tx1"/>
-                </a:solidFill>
-                <a:latin typeface="+mn-lt"/>
-                <a:ea typeface="+mn-ea"/>
-                <a:cs typeface="+mn-cs"/>
-              </a:defRPr>
-            </a:lvl7pPr>
-            <a:lvl8pPr marL="3428863" indent="-228591" algn="l" defTabSz="914363" rtl="0" eaLnBrk="1" latinLnBrk="0" hangingPunct="1">
-              <a:spcBef>
-                <a:spcPct val="20000"/>
-              </a:spcBef>
-              <a:buFont typeface="Arial" pitchFamily="34" charset="0"/>
-              <a:buChar char="•"/>
-              <a:defRPr sz="2000" kern="1200">
-                <a:solidFill>
-                  <a:schemeClr val="tx1"/>
-                </a:solidFill>
-                <a:latin typeface="+mn-lt"/>
-                <a:ea typeface="+mn-ea"/>
-                <a:cs typeface="+mn-cs"/>
-              </a:defRPr>
-            </a:lvl8pPr>
-            <a:lvl9pPr marL="3886045" indent="-228591" algn="l" defTabSz="914363" rtl="0" eaLnBrk="1" latinLnBrk="0" hangingPunct="1">
-              <a:spcBef>
-                <a:spcPct val="20000"/>
-              </a:spcBef>
-              <a:buFont typeface="Arial" pitchFamily="34" charset="0"/>
-              <a:buChar char="•"/>
-              <a:defRPr sz="2000" kern="1200">
-                <a:solidFill>
-                  <a:schemeClr val="tx1"/>
-                </a:solidFill>
-                <a:latin typeface="+mn-lt"/>
-                <a:ea typeface="+mn-ea"/>
-                <a:cs typeface="+mn-cs"/>
-              </a:defRPr>
-            </a:lvl9pPr>
-          </a:lstStyle>
-          <a:p>
-            <a:pPr marL="0" indent="0">
-              <a:buNone/>
-            </a:pPr>
-            <a:r>
-              <a:rPr lang="en-US" sz="1800" dirty="0" smtClean="0">
-                <a:solidFill>
-                  <a:srgbClr val="FF0000"/>
-                </a:solidFill>
-              </a:rPr>
-              <a:t>Retrieve access token using </a:t>
-            </a:r>
-            <a:r>
-              <a:rPr lang="en-US" sz="1800" b="1" dirty="0" err="1" smtClean="0">
-                <a:solidFill>
-                  <a:srgbClr val="FF0000"/>
-                </a:solidFill>
-              </a:rPr>
-              <a:t>AcquireAccessTokenSlientAsync</a:t>
-            </a:r>
-            <a:endParaRPr lang="en-US" sz="1800" b="1" dirty="0">
-              <a:solidFill>
-                <a:srgbClr val="FF0000"/>
-              </a:solidFill>
-            </a:endParaRPr>
-          </a:p>
-        </p:txBody>
-      </p:sp>
-      <p:cxnSp>
-        <p:nvCxnSpPr>
-          <p:cNvPr id="11" name="Straight Arrow Connector 10"/>
-          <p:cNvCxnSpPr>
-            <a:stCxn id="8" idx="1"/>
-          </p:cNvCxnSpPr>
-          <p:nvPr/>
-        </p:nvCxnSpPr>
-        <p:spPr>
-          <a:xfrm flipH="1">
-            <a:off x="6468256" y="1780197"/>
-            <a:ext cx="1208510" cy="595744"/>
-          </a:xfrm>
-          <a:prstGeom prst="straightConnector1">
-            <a:avLst/>
-          </a:prstGeom>
-          <a:ln>
-            <a:solidFill>
-              <a:schemeClr val="tx1"/>
-            </a:solidFill>
-            <a:headEnd type="none"/>
-            <a:tailEnd type="triangle"/>
-          </a:ln>
-        </p:spPr>
-        <p:style>
-          <a:lnRef idx="1">
-            <a:schemeClr val="accent1"/>
-          </a:lnRef>
-          <a:fillRef idx="0">
-            <a:schemeClr val="accent1"/>
-          </a:fillRef>
-          <a:effectRef idx="0">
-            <a:schemeClr val="accent1"/>
-          </a:effectRef>
-          <a:fontRef idx="minor">
-            <a:schemeClr val="tx1"/>
-          </a:fontRef>
-        </p:style>
-      </p:cxnSp>
-      <p:cxnSp>
-        <p:nvCxnSpPr>
-          <p:cNvPr id="13" name="Straight Arrow Connector 12"/>
-          <p:cNvCxnSpPr/>
-          <p:nvPr/>
-        </p:nvCxnSpPr>
-        <p:spPr>
-          <a:xfrm flipH="1" flipV="1">
-            <a:off x="5433934" y="5329003"/>
-            <a:ext cx="944381" cy="839449"/>
-          </a:xfrm>
-          <a:prstGeom prst="straightConnector1">
-            <a:avLst/>
-          </a:prstGeom>
-          <a:ln>
-            <a:solidFill>
-              <a:schemeClr val="tx1"/>
-            </a:solidFill>
-            <a:headEnd type="none"/>
-            <a:tailEnd type="triangle"/>
-          </a:ln>
-        </p:spPr>
-        <p:style>
-          <a:lnRef idx="1">
-            <a:schemeClr val="accent1"/>
-          </a:lnRef>
-          <a:fillRef idx="0">
-            <a:schemeClr val="accent1"/>
-          </a:fillRef>
-          <a:effectRef idx="0">
-            <a:schemeClr val="accent1"/>
-          </a:effectRef>
-          <a:fontRef idx="minor">
-            <a:schemeClr val="tx1"/>
-          </a:fontRef>
-        </p:style>
-      </p:cxnSp>
+      </p:pic>
     </p:spTree>
     <p:extLst>
       <p:ext uri="{BB962C8B-B14F-4D97-AF65-F5344CB8AC3E}">
-        <p14:creationId xmlns:p14="http://schemas.microsoft.com/office/powerpoint/2010/main" val="3312666906"/>
+        <p14:creationId xmlns:p14="http://schemas.microsoft.com/office/powerpoint/2010/main" val="2425914158"/>
       </p:ext>
     </p:extLst>
   </p:cSld>
@@ -15851,6 +15000,110 @@
       </p:grpSpPr>
       <p:sp>
         <p:nvSpPr>
+          <p:cNvPr id="2" name="Title 1"/>
+          <p:cNvSpPr>
+            <a:spLocks noGrp="1"/>
+          </p:cNvSpPr>
+          <p:nvPr>
+            <p:ph type="title"/>
+          </p:nvPr>
+        </p:nvSpPr>
+        <p:spPr/>
+        <p:txBody>
+          <a:bodyPr/>
+          <a:lstStyle/>
+          <a:p>
+            <a:r>
+              <a:rPr lang="en-US" dirty="0" smtClean="0"/>
+              <a:t>Retrieving Contacts</a:t>
+            </a:r>
+            <a:endParaRPr lang="en-US" dirty="0"/>
+          </a:p>
+        </p:txBody>
+      </p:sp>
+      <p:sp>
+        <p:nvSpPr>
+          <p:cNvPr id="3" name="Slide Number Placeholder 2"/>
+          <p:cNvSpPr>
+            <a:spLocks noGrp="1"/>
+          </p:cNvSpPr>
+          <p:nvPr>
+            <p:ph type="sldNum" sz="quarter" idx="12"/>
+          </p:nvPr>
+        </p:nvSpPr>
+        <p:spPr/>
+        <p:txBody>
+          <a:bodyPr/>
+          <a:lstStyle/>
+          <a:p>
+            <a:fld id="{727B4C2D-45E2-4621-8491-2995EB46A674}" type="slidenum">
+              <a:rPr lang="en-US" smtClean="0"/>
+              <a:pPr/>
+              <a:t>18</a:t>
+            </a:fld>
+            <a:endParaRPr lang="en-US" dirty="0"/>
+          </a:p>
+        </p:txBody>
+      </p:sp>
+      <p:pic>
+        <p:nvPicPr>
+          <p:cNvPr id="4" name="Picture 3"/>
+          <p:cNvPicPr>
+            <a:picLocks noChangeAspect="1"/>
+          </p:cNvPicPr>
+          <p:nvPr/>
+        </p:nvPicPr>
+        <p:blipFill>
+          <a:blip r:embed="rId2"/>
+          <a:stretch>
+            <a:fillRect/>
+          </a:stretch>
+        </p:blipFill>
+        <p:spPr>
+          <a:xfrm>
+            <a:off x="801043" y="1270969"/>
+            <a:ext cx="9365354" cy="4056405"/>
+          </a:xfrm>
+          <a:prstGeom prst="rect">
+            <a:avLst/>
+          </a:prstGeom>
+        </p:spPr>
+      </p:pic>
+    </p:spTree>
+    <p:extLst>
+      <p:ext uri="{BB962C8B-B14F-4D97-AF65-F5344CB8AC3E}">
+        <p14:creationId xmlns:p14="http://schemas.microsoft.com/office/powerpoint/2010/main" val="904351761"/>
+      </p:ext>
+    </p:extLst>
+  </p:cSld>
+  <p:clrMapOvr>
+    <a:masterClrMapping/>
+  </p:clrMapOvr>
+  <p:transition>
+    <p:fade/>
+  </p:transition>
+</p:sld>
+</file>
+
+<file path=ppt/slides/slide19.xml><?xml version="1.0" encoding="utf-8"?>
+<p:sld xmlns:a="http://schemas.openxmlformats.org/drawingml/2006/main" xmlns:r="http://schemas.openxmlformats.org/officeDocument/2006/relationships" xmlns:p="http://schemas.openxmlformats.org/presentationml/2006/main">
+  <p:cSld>
+    <p:spTree>
+      <p:nvGrpSpPr>
+        <p:cNvPr id="1" name=""/>
+        <p:cNvGrpSpPr/>
+        <p:nvPr/>
+      </p:nvGrpSpPr>
+      <p:grpSpPr>
+        <a:xfrm>
+          <a:off x="0" y="0"/>
+          <a:ext cx="0" cy="0"/>
+          <a:chOff x="0" y="0"/>
+          <a:chExt cx="0" cy="0"/>
+        </a:xfrm>
+      </p:grpSpPr>
+      <p:sp>
+        <p:nvSpPr>
           <p:cNvPr id="4" name="Title 3"/>
           <p:cNvSpPr>
             <a:spLocks noGrp="1"/>
@@ -15918,278 +15171,6 @@
 </p:sld>
 </file>
 
-<file path=ppt/slides/slide19.xml><?xml version="1.0" encoding="utf-8"?>
-<p:sld xmlns:a="http://schemas.openxmlformats.org/drawingml/2006/main" xmlns:r="http://schemas.openxmlformats.org/officeDocument/2006/relationships" xmlns:p="http://schemas.openxmlformats.org/presentationml/2006/main">
-  <p:cSld>
-    <p:spTree>
-      <p:nvGrpSpPr>
-        <p:cNvPr id="1" name=""/>
-        <p:cNvGrpSpPr/>
-        <p:nvPr/>
-      </p:nvGrpSpPr>
-      <p:grpSpPr>
-        <a:xfrm>
-          <a:off x="0" y="0"/>
-          <a:ext cx="0" cy="0"/>
-          <a:chOff x="0" y="0"/>
-          <a:chExt cx="0" cy="0"/>
-        </a:xfrm>
-      </p:grpSpPr>
-      <p:sp>
-        <p:nvSpPr>
-          <p:cNvPr id="3" name="Title 2"/>
-          <p:cNvSpPr>
-            <a:spLocks noGrp="1"/>
-          </p:cNvSpPr>
-          <p:nvPr>
-            <p:ph type="title"/>
-          </p:nvPr>
-        </p:nvSpPr>
-        <p:spPr/>
-        <p:txBody>
-          <a:bodyPr/>
-          <a:lstStyle/>
-          <a:p>
-            <a:r>
-              <a:rPr lang="en-US" dirty="0" smtClean="0"/>
-              <a:t>OneDrive for Business</a:t>
-            </a:r>
-            <a:endParaRPr lang="en-US" dirty="0"/>
-          </a:p>
-        </p:txBody>
-      </p:sp>
-      <p:sp>
-        <p:nvSpPr>
-          <p:cNvPr id="4" name="Slide Number Placeholder 3"/>
-          <p:cNvSpPr>
-            <a:spLocks noGrp="1"/>
-          </p:cNvSpPr>
-          <p:nvPr>
-            <p:ph type="sldNum" sz="quarter" idx="12"/>
-          </p:nvPr>
-        </p:nvSpPr>
-        <p:spPr/>
-        <p:txBody>
-          <a:bodyPr/>
-          <a:lstStyle/>
-          <a:p>
-            <a:fld id="{727B4C2D-45E2-4621-8491-2995EB46A674}" type="slidenum">
-              <a:rPr lang="en-US" smtClean="0"/>
-              <a:pPr/>
-              <a:t>19</a:t>
-            </a:fld>
-            <a:endParaRPr lang="en-US" dirty="0"/>
-          </a:p>
-        </p:txBody>
-      </p:sp>
-      <p:pic>
-        <p:nvPicPr>
-          <p:cNvPr id="5" name="Picture 4"/>
-          <p:cNvPicPr>
-            <a:picLocks noChangeAspect="1"/>
-          </p:cNvPicPr>
-          <p:nvPr/>
-        </p:nvPicPr>
-        <p:blipFill>
-          <a:blip r:embed="rId3">
-            <a:extLst>
-              <a:ext uri="{28A0092B-C50C-407E-A947-70E740481C1C}">
-                <a14:useLocalDpi xmlns:a14="http://schemas.microsoft.com/office/drawing/2010/main" val="0"/>
-              </a:ext>
-            </a:extLst>
-          </a:blip>
-          <a:stretch>
-            <a:fillRect/>
-          </a:stretch>
-        </p:blipFill>
-        <p:spPr>
-          <a:xfrm>
-            <a:off x="519112" y="1325190"/>
-            <a:ext cx="8070174" cy="570845"/>
-          </a:xfrm>
-          <a:prstGeom prst="rect">
-            <a:avLst/>
-          </a:prstGeom>
-        </p:spPr>
-      </p:pic>
-      <p:pic>
-        <p:nvPicPr>
-          <p:cNvPr id="7" name="Picture 6"/>
-          <p:cNvPicPr>
-            <a:picLocks noChangeAspect="1"/>
-          </p:cNvPicPr>
-          <p:nvPr/>
-        </p:nvPicPr>
-        <p:blipFill>
-          <a:blip r:embed="rId4">
-            <a:extLst>
-              <a:ext uri="{28A0092B-C50C-407E-A947-70E740481C1C}">
-                <a14:useLocalDpi xmlns:a14="http://schemas.microsoft.com/office/drawing/2010/main" val="0"/>
-              </a:ext>
-            </a:extLst>
-          </a:blip>
-          <a:stretch>
-            <a:fillRect/>
-          </a:stretch>
-        </p:blipFill>
-        <p:spPr>
-          <a:xfrm>
-            <a:off x="4902045" y="2501733"/>
-            <a:ext cx="6607113" cy="3292125"/>
-          </a:xfrm>
-          <a:prstGeom prst="rect">
-            <a:avLst/>
-          </a:prstGeom>
-          <a:ln>
-            <a:solidFill>
-              <a:srgbClr val="0042AC"/>
-            </a:solidFill>
-          </a:ln>
-        </p:spPr>
-      </p:pic>
-      <p:sp>
-        <p:nvSpPr>
-          <p:cNvPr id="8" name="Down Arrow 7"/>
-          <p:cNvSpPr/>
-          <p:nvPr/>
-        </p:nvSpPr>
-        <p:spPr bwMode="auto">
-          <a:xfrm rot="19288868">
-            <a:off x="5365378" y="1755712"/>
-            <a:ext cx="443753" cy="753035"/>
-          </a:xfrm>
-          <a:prstGeom prst="downArrow">
-            <a:avLst/>
-          </a:prstGeom>
-          <a:solidFill>
-            <a:schemeClr val="accent1"/>
-          </a:solidFill>
-          <a:ln>
-            <a:noFill/>
-            <a:headEnd type="none" w="med" len="med"/>
-            <a:tailEnd type="none" w="med" len="med"/>
-          </a:ln>
-          <a:effectLst/>
-        </p:spPr>
-        <p:style>
-          <a:lnRef idx="1">
-            <a:schemeClr val="accent2"/>
-          </a:lnRef>
-          <a:fillRef idx="3">
-            <a:schemeClr val="accent2"/>
-          </a:fillRef>
-          <a:effectRef idx="2">
-            <a:schemeClr val="accent2"/>
-          </a:effectRef>
-          <a:fontRef idx="minor">
-            <a:schemeClr val="lt1"/>
-          </a:fontRef>
-        </p:style>
-        <p:txBody>
-          <a:bodyPr rot="0" spcFirstLastPara="0" vertOverflow="overflow" horzOverflow="overflow" vert="horz" wrap="square" lIns="45720" tIns="45720" rIns="45720" bIns="45720" numCol="1" spcCol="0" rtlCol="0" fromWordArt="0" anchor="ctr" anchorCtr="0" forceAA="0" compatLnSpc="1">
-            <a:prstTxWarp prst="textNoShape">
-              <a:avLst/>
-            </a:prstTxWarp>
-            <a:noAutofit/>
-          </a:bodyPr>
-          <a:lstStyle/>
-          <a:p>
-            <a:pPr algn="ctr" defTabSz="914099" fontAlgn="base">
-              <a:spcBef>
-                <a:spcPct val="0"/>
-              </a:spcBef>
-              <a:spcAft>
-                <a:spcPct val="0"/>
-              </a:spcAft>
-            </a:pPr>
-            <a:endParaRPr lang="en-US" sz="2200" dirty="0" smtClean="0">
-              <a:gradFill>
-                <a:gsLst>
-                  <a:gs pos="0">
-                    <a:srgbClr val="FFFFFF"/>
-                  </a:gs>
-                  <a:gs pos="100000">
-                    <a:srgbClr val="FFFFFF"/>
-                  </a:gs>
-                </a:gsLst>
-                <a:lin ang="5400000" scaled="0"/>
-              </a:gradFill>
-              <a:ea typeface="Segoe UI" pitchFamily="34" charset="0"/>
-              <a:cs typeface="Segoe UI" pitchFamily="34" charset="0"/>
-            </a:endParaRPr>
-          </a:p>
-        </p:txBody>
-      </p:sp>
-      <p:sp>
-        <p:nvSpPr>
-          <p:cNvPr id="10" name="TextBox 9"/>
-          <p:cNvSpPr txBox="1"/>
-          <p:nvPr/>
-        </p:nvSpPr>
-        <p:spPr>
-          <a:xfrm>
-            <a:off x="533528" y="3227294"/>
-            <a:ext cx="4020671" cy="1107996"/>
-          </a:xfrm>
-          <a:prstGeom prst="rect">
-            <a:avLst/>
-          </a:prstGeom>
-          <a:noFill/>
-        </p:spPr>
-        <p:txBody>
-          <a:bodyPr wrap="square" lIns="0" tIns="0" rIns="0" bIns="0" rtlCol="0">
-            <a:spAutoFit/>
-          </a:bodyPr>
-          <a:lstStyle/>
-          <a:p>
-            <a:r>
-              <a:rPr lang="en-US" sz="2400" dirty="0" smtClean="0"/>
-              <a:t>A personal </a:t>
-            </a:r>
-            <a:r>
-              <a:rPr lang="en-US" sz="2400" dirty="0"/>
-              <a:t>library </a:t>
-            </a:r>
-            <a:r>
-              <a:rPr lang="en-US" sz="2400" dirty="0" smtClean="0"/>
-              <a:t>for </a:t>
-            </a:r>
-            <a:r>
-              <a:rPr lang="en-US" sz="2400" dirty="0"/>
-              <a:t>storing and organizing your work documents</a:t>
-            </a:r>
-            <a:endParaRPr lang="en-US" sz="2400" spc="-70" dirty="0" smtClean="0">
-              <a:gradFill>
-                <a:gsLst>
-                  <a:gs pos="2917">
-                    <a:schemeClr val="bg2"/>
-                  </a:gs>
-                  <a:gs pos="95000">
-                    <a:schemeClr val="bg2"/>
-                  </a:gs>
-                </a:gsLst>
-                <a:lin ang="5400000" scaled="0"/>
-              </a:gradFill>
-            </a:endParaRPr>
-          </a:p>
-        </p:txBody>
-      </p:sp>
-    </p:spTree>
-    <p:extLst>
-      <p:ext uri="{BB962C8B-B14F-4D97-AF65-F5344CB8AC3E}">
-        <p14:creationId xmlns:p14="http://schemas.microsoft.com/office/powerpoint/2010/main" val="2487016320"/>
-      </p:ext>
-    </p:extLst>
-  </p:cSld>
-  <p:clrMapOvr>
-    <a:masterClrMapping/>
-  </p:clrMapOvr>
-  <p:transition>
-    <p:fade/>
-  </p:transition>
-</p:sld>
-</file>
-
 <file path=ppt/slides/slide2.xml><?xml version="1.0" encoding="utf-8"?>
 <p:sld xmlns:a="http://schemas.openxmlformats.org/drawingml/2006/main" xmlns:r="http://schemas.openxmlformats.org/officeDocument/2006/relationships" xmlns:p="http://schemas.openxmlformats.org/presentationml/2006/main">
   <p:cSld>
@@ -16259,7 +15240,7 @@
                 <a:gridCol w="11225057">
                   <a:extLst>
                     <a:ext uri="{9D8B030D-6E8A-4147-A177-3AD203B41FA5}">
-                      <a16:colId xmlns:a16="http://schemas.microsoft.com/office/drawing/2014/main" xmlns="" val="1253488153"/>
+                      <a16:colId xmlns="" xmlns:a16="http://schemas.microsoft.com/office/drawing/2014/main" val="1253488153"/>
                     </a:ext>
                   </a:extLst>
                 </a:gridCol>
@@ -16281,7 +15262,7 @@
                 </a:tc>
                 <a:extLst>
                   <a:ext uri="{0D108BD9-81ED-4DB2-BD59-A6C34878D82A}">
-                    <a16:rowId xmlns:a16="http://schemas.microsoft.com/office/drawing/2014/main" xmlns="" val="829859176"/>
+                    <a16:rowId xmlns="" xmlns:a16="http://schemas.microsoft.com/office/drawing/2014/main" val="829859176"/>
                   </a:ext>
                 </a:extLst>
               </a:tr>
@@ -16301,7 +15282,7 @@
                 </a:tc>
                 <a:extLst>
                   <a:ext uri="{0D108BD9-81ED-4DB2-BD59-A6C34878D82A}">
-                    <a16:rowId xmlns:a16="http://schemas.microsoft.com/office/drawing/2014/main" xmlns="" val="1946132611"/>
+                    <a16:rowId xmlns="" xmlns:a16="http://schemas.microsoft.com/office/drawing/2014/main" val="1946132611"/>
                   </a:ext>
                 </a:extLst>
               </a:tr>
@@ -16338,7 +15319,7 @@
                 </a:tc>
                 <a:extLst>
                   <a:ext uri="{0D108BD9-81ED-4DB2-BD59-A6C34878D82A}">
-                    <a16:rowId xmlns:a16="http://schemas.microsoft.com/office/drawing/2014/main" xmlns="" val="3204002662"/>
+                    <a16:rowId xmlns="" xmlns:a16="http://schemas.microsoft.com/office/drawing/2014/main" val="3204002662"/>
                   </a:ext>
                 </a:extLst>
               </a:tr>
@@ -16375,7 +15356,7 @@
                 </a:tc>
                 <a:extLst>
                   <a:ext uri="{0D108BD9-81ED-4DB2-BD59-A6C34878D82A}">
-                    <a16:rowId xmlns:a16="http://schemas.microsoft.com/office/drawing/2014/main" xmlns="" val="4266278162"/>
+                    <a16:rowId xmlns="" xmlns:a16="http://schemas.microsoft.com/office/drawing/2014/main" val="4266278162"/>
                   </a:ext>
                 </a:extLst>
               </a:tr>
@@ -16408,13 +15389,8 @@
                       </a:r>
                       <a:r>
                         <a:rPr lang="en-US" sz="2400" dirty="0" smtClean="0"/>
-                        <a:t>Hook into Office </a:t>
+                        <a:t>Hook into Office 365 APIs</a:t>
                       </a:r>
-                      <a:r>
-                        <a:rPr lang="en-US" sz="2400" dirty="0" smtClean="0"/>
-                        <a:t>365 APIs</a:t>
-                      </a:r>
-                      <a:endParaRPr lang="en-US" sz="2400" dirty="0" smtClean="0"/>
                     </a:p>
                   </a:txBody>
                   <a:tcPr marL="91403" marR="91403" marT="45701" marB="45701" anchor="ctr"/>
@@ -16498,87 +15474,22 @@
       </p:grpSpPr>
       <p:sp>
         <p:nvSpPr>
-          <p:cNvPr id="2" name="Text Placeholder 1"/>
-          <p:cNvSpPr>
-            <a:spLocks noGrp="1"/>
-          </p:cNvSpPr>
-          <p:nvPr>
-            <p:ph type="body" sz="quarter" idx="10"/>
-          </p:nvPr>
-        </p:nvSpPr>
-        <p:spPr>
-          <a:xfrm>
-            <a:off x="519112" y="1196589"/>
-            <a:ext cx="11149013" cy="4370197"/>
-          </a:xfrm>
-        </p:spPr>
+          <p:cNvPr id="3" name="Title 2"/>
+          <p:cNvSpPr>
+            <a:spLocks noGrp="1"/>
+          </p:cNvSpPr>
+          <p:nvPr>
+            <p:ph type="title"/>
+          </p:nvPr>
+        </p:nvSpPr>
+        <p:spPr/>
         <p:txBody>
           <a:bodyPr/>
           <a:lstStyle/>
           <a:p>
             <a:r>
-              <a:rPr lang="en-US" dirty="0"/>
-              <a:t>Discovery Service discovers “</a:t>
-            </a:r>
-            <a:r>
-              <a:rPr lang="en-US" dirty="0" err="1"/>
-              <a:t>MyFiles</a:t>
-            </a:r>
-            <a:r>
-              <a:rPr lang="en-US" dirty="0"/>
-              <a:t>” </a:t>
-            </a:r>
-            <a:r>
               <a:rPr lang="en-US" dirty="0" smtClean="0"/>
-              <a:t>capability</a:t>
-            </a:r>
-          </a:p>
-          <a:p>
-            <a:pPr lvl="1"/>
-            <a:r>
-              <a:rPr lang="en-US" dirty="0" smtClean="0"/>
-              <a:t>Returns tenant and user-specific URL for user’s OneDrive for Business</a:t>
-            </a:r>
-            <a:endParaRPr lang="en-US" dirty="0"/>
-          </a:p>
-          <a:p>
-            <a:r>
-              <a:rPr lang="en-US" dirty="0" err="1" smtClean="0"/>
-              <a:t>SharePointClient.Files</a:t>
-            </a:r>
-            <a:r>
-              <a:rPr lang="en-US" dirty="0" smtClean="0"/>
-              <a:t> abstracts Files API</a:t>
-            </a:r>
-          </a:p>
-          <a:p>
-            <a:pPr lvl="1"/>
-            <a:endParaRPr lang="en-US" dirty="0"/>
-          </a:p>
-        </p:txBody>
-      </p:sp>
-      <p:sp>
-        <p:nvSpPr>
-          <p:cNvPr id="3" name="Title 2"/>
-          <p:cNvSpPr>
-            <a:spLocks noGrp="1"/>
-          </p:cNvSpPr>
-          <p:nvPr>
-            <p:ph type="title"/>
-          </p:nvPr>
-        </p:nvSpPr>
-        <p:spPr/>
-        <p:txBody>
-          <a:bodyPr/>
-          <a:lstStyle/>
-          <a:p>
-            <a:r>
-              <a:rPr lang="en-US" dirty="0" err="1" smtClean="0"/>
-              <a:t>SharePointClient</a:t>
-            </a:r>
-            <a:r>
-              <a:rPr lang="en-US" dirty="0" smtClean="0"/>
-              <a:t> class</a:t>
+              <a:t>OneDrive for Business</a:t>
             </a:r>
             <a:endParaRPr lang="en-US" dirty="0"/>
           </a:p>
@@ -16610,7 +15521,7 @@
       </p:sp>
       <p:pic>
         <p:nvPicPr>
-          <p:cNvPr id="6" name="Picture 5"/>
+          <p:cNvPr id="5" name="Picture 4"/>
           <p:cNvPicPr>
             <a:picLocks noChangeAspect="1"/>
           </p:cNvPicPr>
@@ -16630,18 +15541,180 @@
         </p:blipFill>
         <p:spPr>
           <a:xfrm>
-            <a:off x="1418926" y="2951116"/>
-            <a:ext cx="7825111" cy="2716154"/>
+            <a:off x="519112" y="1325190"/>
+            <a:ext cx="8070174" cy="570845"/>
           </a:xfrm>
           <a:prstGeom prst="rect">
             <a:avLst/>
           </a:prstGeom>
         </p:spPr>
       </p:pic>
+      <p:pic>
+        <p:nvPicPr>
+          <p:cNvPr id="7" name="Picture 6"/>
+          <p:cNvPicPr>
+            <a:picLocks noChangeAspect="1"/>
+          </p:cNvPicPr>
+          <p:nvPr/>
+        </p:nvPicPr>
+        <p:blipFill>
+          <a:blip r:embed="rId4">
+            <a:extLst>
+              <a:ext uri="{28A0092B-C50C-407E-A947-70E740481C1C}">
+                <a14:useLocalDpi xmlns:a14="http://schemas.microsoft.com/office/drawing/2010/main" val="0"/>
+              </a:ext>
+            </a:extLst>
+          </a:blip>
+          <a:stretch>
+            <a:fillRect/>
+          </a:stretch>
+        </p:blipFill>
+        <p:spPr>
+          <a:xfrm>
+            <a:off x="4902045" y="2501733"/>
+            <a:ext cx="6607113" cy="3292125"/>
+          </a:xfrm>
+          <a:prstGeom prst="rect">
+            <a:avLst/>
+          </a:prstGeom>
+          <a:ln>
+            <a:solidFill>
+              <a:srgbClr val="0042AC"/>
+            </a:solidFill>
+          </a:ln>
+        </p:spPr>
+      </p:pic>
+      <p:sp>
+        <p:nvSpPr>
+          <p:cNvPr id="8" name="Down Arrow 7"/>
+          <p:cNvSpPr/>
+          <p:nvPr/>
+        </p:nvSpPr>
+        <p:spPr bwMode="auto">
+          <a:xfrm rot="19288868">
+            <a:off x="5365378" y="1755712"/>
+            <a:ext cx="443753" cy="753035"/>
+          </a:xfrm>
+          <a:prstGeom prst="downArrow">
+            <a:avLst/>
+          </a:prstGeom>
+          <a:solidFill>
+            <a:schemeClr val="accent1"/>
+          </a:solidFill>
+          <a:ln>
+            <a:noFill/>
+            <a:headEnd type="none" w="med" len="med"/>
+            <a:tailEnd type="none" w="med" len="med"/>
+          </a:ln>
+          <a:effectLst/>
+        </p:spPr>
+        <p:style>
+          <a:lnRef idx="1">
+            <a:schemeClr val="accent2"/>
+          </a:lnRef>
+          <a:fillRef idx="3">
+            <a:schemeClr val="accent2"/>
+          </a:fillRef>
+          <a:effectRef idx="2">
+            <a:schemeClr val="accent2"/>
+          </a:effectRef>
+          <a:fontRef idx="minor">
+            <a:schemeClr val="lt1"/>
+          </a:fontRef>
+        </p:style>
+        <p:txBody>
+          <a:bodyPr rot="0" spcFirstLastPara="0" vertOverflow="overflow" horzOverflow="overflow" vert="horz" wrap="square" lIns="45720" tIns="45720" rIns="45720" bIns="45720" numCol="1" spcCol="0" rtlCol="0" fromWordArt="0" anchor="ctr" anchorCtr="0" forceAA="0" compatLnSpc="1">
+            <a:prstTxWarp prst="textNoShape">
+              <a:avLst/>
+            </a:prstTxWarp>
+            <a:noAutofit/>
+          </a:bodyPr>
+          <a:lstStyle/>
+          <a:p>
+            <a:pPr algn="ctr" defTabSz="914099" fontAlgn="base">
+              <a:spcBef>
+                <a:spcPct val="0"/>
+              </a:spcBef>
+              <a:spcAft>
+                <a:spcPct val="0"/>
+              </a:spcAft>
+            </a:pPr>
+            <a:endParaRPr lang="en-US" sz="2200" dirty="0" smtClean="0">
+              <a:gradFill>
+                <a:gsLst>
+                  <a:gs pos="0">
+                    <a:srgbClr val="FFFFFF"/>
+                  </a:gs>
+                  <a:gs pos="100000">
+                    <a:srgbClr val="FFFFFF"/>
+                  </a:gs>
+                </a:gsLst>
+                <a:lin ang="5400000" scaled="0"/>
+              </a:gradFill>
+              <a:ea typeface="Segoe UI" pitchFamily="34" charset="0"/>
+              <a:cs typeface="Segoe UI" pitchFamily="34" charset="0"/>
+            </a:endParaRPr>
+          </a:p>
+        </p:txBody>
+      </p:sp>
+      <p:sp>
+        <p:nvSpPr>
+          <p:cNvPr id="10" name="TextBox 9"/>
+          <p:cNvSpPr txBox="1"/>
+          <p:nvPr/>
+        </p:nvSpPr>
+        <p:spPr>
+          <a:xfrm>
+            <a:off x="533528" y="3227294"/>
+            <a:ext cx="4020671" cy="1107996"/>
+          </a:xfrm>
+          <a:prstGeom prst="rect">
+            <a:avLst/>
+          </a:prstGeom>
+          <a:noFill/>
+        </p:spPr>
+        <p:txBody>
+          <a:bodyPr wrap="square" lIns="0" tIns="0" rIns="0" bIns="0" rtlCol="0">
+            <a:spAutoFit/>
+          </a:bodyPr>
+          <a:lstStyle/>
+          <a:p>
+            <a:r>
+              <a:rPr lang="en-US" sz="2400" dirty="0" smtClean="0"/>
+              <a:t>A personal </a:t>
+            </a:r>
+            <a:r>
+              <a:rPr lang="en-US" sz="2400" dirty="0"/>
+              <a:t>library </a:t>
+            </a:r>
+            <a:r>
+              <a:rPr lang="en-US" sz="2400" dirty="0" smtClean="0"/>
+              <a:t>for </a:t>
+            </a:r>
+            <a:r>
+              <a:rPr lang="en-US" sz="2400" dirty="0"/>
+              <a:t>storing and organizing your work documents</a:t>
+            </a:r>
+            <a:endParaRPr lang="en-US" sz="2400" spc="-70" dirty="0" smtClean="0">
+              <a:gradFill>
+                <a:gsLst>
+                  <a:gs pos="2917">
+                    <a:schemeClr val="bg2"/>
+                  </a:gs>
+                  <a:gs pos="95000">
+                    <a:schemeClr val="bg2"/>
+                  </a:gs>
+                </a:gsLst>
+                <a:lin ang="5400000" scaled="0"/>
+              </a:gradFill>
+            </a:endParaRPr>
+          </a:p>
+        </p:txBody>
+      </p:sp>
     </p:spTree>
     <p:extLst>
       <p:ext uri="{BB962C8B-B14F-4D97-AF65-F5344CB8AC3E}">
-        <p14:creationId xmlns:p14="http://schemas.microsoft.com/office/powerpoint/2010/main" val="788100810"/>
+        <p14:creationId xmlns:p14="http://schemas.microsoft.com/office/powerpoint/2010/main" val="2487016320"/>
       </p:ext>
     </p:extLst>
   </p:cSld>
@@ -16673,6 +15746,175 @@
       </p:grpSpPr>
       <p:sp>
         <p:nvSpPr>
+          <p:cNvPr id="2" name="Text Placeholder 1"/>
+          <p:cNvSpPr>
+            <a:spLocks noGrp="1"/>
+          </p:cNvSpPr>
+          <p:nvPr>
+            <p:ph type="body" sz="quarter" idx="10"/>
+          </p:nvPr>
+        </p:nvSpPr>
+        <p:spPr>
+          <a:xfrm>
+            <a:off x="519112" y="1196589"/>
+            <a:ext cx="11149013" cy="4370197"/>
+          </a:xfrm>
+        </p:spPr>
+        <p:txBody>
+          <a:bodyPr/>
+          <a:lstStyle/>
+          <a:p>
+            <a:r>
+              <a:rPr lang="en-US" dirty="0"/>
+              <a:t>Discovery Service discovers “</a:t>
+            </a:r>
+            <a:r>
+              <a:rPr lang="en-US" dirty="0" err="1"/>
+              <a:t>MyFiles</a:t>
+            </a:r>
+            <a:r>
+              <a:rPr lang="en-US" dirty="0"/>
+              <a:t>” </a:t>
+            </a:r>
+            <a:r>
+              <a:rPr lang="en-US" dirty="0" smtClean="0"/>
+              <a:t>capability</a:t>
+            </a:r>
+          </a:p>
+          <a:p>
+            <a:pPr lvl="1"/>
+            <a:r>
+              <a:rPr lang="en-US" dirty="0" smtClean="0"/>
+              <a:t>Returns tenant and user-specific URL for user’s OneDrive for Business</a:t>
+            </a:r>
+            <a:endParaRPr lang="en-US" dirty="0"/>
+          </a:p>
+          <a:p>
+            <a:r>
+              <a:rPr lang="en-US" dirty="0" err="1" smtClean="0"/>
+              <a:t>SharePointClient.Files</a:t>
+            </a:r>
+            <a:r>
+              <a:rPr lang="en-US" dirty="0" smtClean="0"/>
+              <a:t> abstracts Files API</a:t>
+            </a:r>
+          </a:p>
+          <a:p>
+            <a:pPr lvl="1"/>
+            <a:endParaRPr lang="en-US" dirty="0"/>
+          </a:p>
+        </p:txBody>
+      </p:sp>
+      <p:sp>
+        <p:nvSpPr>
+          <p:cNvPr id="3" name="Title 2"/>
+          <p:cNvSpPr>
+            <a:spLocks noGrp="1"/>
+          </p:cNvSpPr>
+          <p:nvPr>
+            <p:ph type="title"/>
+          </p:nvPr>
+        </p:nvSpPr>
+        <p:spPr/>
+        <p:txBody>
+          <a:bodyPr/>
+          <a:lstStyle/>
+          <a:p>
+            <a:r>
+              <a:rPr lang="en-US" dirty="0" err="1" smtClean="0"/>
+              <a:t>SharePointClient</a:t>
+            </a:r>
+            <a:r>
+              <a:rPr lang="en-US" dirty="0" smtClean="0"/>
+              <a:t> class</a:t>
+            </a:r>
+            <a:endParaRPr lang="en-US" dirty="0"/>
+          </a:p>
+        </p:txBody>
+      </p:sp>
+      <p:sp>
+        <p:nvSpPr>
+          <p:cNvPr id="4" name="Slide Number Placeholder 3"/>
+          <p:cNvSpPr>
+            <a:spLocks noGrp="1"/>
+          </p:cNvSpPr>
+          <p:nvPr>
+            <p:ph type="sldNum" sz="quarter" idx="12"/>
+          </p:nvPr>
+        </p:nvSpPr>
+        <p:spPr/>
+        <p:txBody>
+          <a:bodyPr/>
+          <a:lstStyle/>
+          <a:p>
+            <a:fld id="{727B4C2D-45E2-4621-8491-2995EB46A674}" type="slidenum">
+              <a:rPr lang="en-US" smtClean="0"/>
+              <a:pPr/>
+              <a:t>21</a:t>
+            </a:fld>
+            <a:endParaRPr lang="en-US" dirty="0"/>
+          </a:p>
+        </p:txBody>
+      </p:sp>
+      <p:pic>
+        <p:nvPicPr>
+          <p:cNvPr id="5" name="Picture 4"/>
+          <p:cNvPicPr>
+            <a:picLocks noChangeAspect="1"/>
+          </p:cNvPicPr>
+          <p:nvPr/>
+        </p:nvPicPr>
+        <p:blipFill>
+          <a:blip r:embed="rId3"/>
+          <a:stretch>
+            <a:fillRect/>
+          </a:stretch>
+        </p:blipFill>
+        <p:spPr>
+          <a:xfrm>
+            <a:off x="982041" y="3077177"/>
+            <a:ext cx="7733333" cy="3009524"/>
+          </a:xfrm>
+          <a:prstGeom prst="rect">
+            <a:avLst/>
+          </a:prstGeom>
+        </p:spPr>
+      </p:pic>
+    </p:spTree>
+    <p:extLst>
+      <p:ext uri="{BB962C8B-B14F-4D97-AF65-F5344CB8AC3E}">
+        <p14:creationId xmlns:p14="http://schemas.microsoft.com/office/powerpoint/2010/main" val="788100810"/>
+      </p:ext>
+    </p:extLst>
+  </p:cSld>
+  <p:clrMapOvr>
+    <a:masterClrMapping/>
+  </p:clrMapOvr>
+  <p:transition>
+    <p:fade/>
+  </p:transition>
+</p:sld>
+</file>
+
+<file path=ppt/slides/slide22.xml><?xml version="1.0" encoding="utf-8"?>
+<p:sld xmlns:a="http://schemas.openxmlformats.org/drawingml/2006/main" xmlns:r="http://schemas.openxmlformats.org/officeDocument/2006/relationships" xmlns:p="http://schemas.openxmlformats.org/presentationml/2006/main">
+  <p:cSld>
+    <p:spTree>
+      <p:nvGrpSpPr>
+        <p:cNvPr id="1" name=""/>
+        <p:cNvGrpSpPr/>
+        <p:nvPr/>
+      </p:nvGrpSpPr>
+      <p:grpSpPr>
+        <a:xfrm>
+          <a:off x="0" y="0"/>
+          <a:ext cx="0" cy="0"/>
+          <a:chOff x="0" y="0"/>
+          <a:chExt cx="0" cy="0"/>
+        </a:xfrm>
+      </p:grpSpPr>
+      <p:sp>
+        <p:nvSpPr>
           <p:cNvPr id="4" name="Title 3"/>
           <p:cNvSpPr>
             <a:spLocks noGrp="1"/>
@@ -16740,141 +15982,6 @@
 </p:sld>
 </file>
 
-<file path=ppt/slides/slide22.xml><?xml version="1.0" encoding="utf-8"?>
-<p:sld xmlns:a="http://schemas.openxmlformats.org/drawingml/2006/main" xmlns:r="http://schemas.openxmlformats.org/officeDocument/2006/relationships" xmlns:p="http://schemas.openxmlformats.org/presentationml/2006/main">
-  <p:cSld>
-    <p:spTree>
-      <p:nvGrpSpPr>
-        <p:cNvPr id="1" name=""/>
-        <p:cNvGrpSpPr/>
-        <p:nvPr/>
-      </p:nvGrpSpPr>
-      <p:grpSpPr>
-        <a:xfrm>
-          <a:off x="0" y="0"/>
-          <a:ext cx="0" cy="0"/>
-          <a:chOff x="0" y="0"/>
-          <a:chExt cx="0" cy="0"/>
-        </a:xfrm>
-      </p:grpSpPr>
-      <p:sp>
-        <p:nvSpPr>
-          <p:cNvPr id="2" name="Text Placeholder 1"/>
-          <p:cNvSpPr>
-            <a:spLocks noGrp="1"/>
-          </p:cNvSpPr>
-          <p:nvPr>
-            <p:ph type="body" sz="quarter" idx="10"/>
-          </p:nvPr>
-        </p:nvSpPr>
-        <p:spPr>
-          <a:xfrm>
-            <a:off x="519112" y="1196589"/>
-            <a:ext cx="11149013" cy="4370197"/>
-          </a:xfrm>
-        </p:spPr>
-        <p:txBody>
-          <a:bodyPr/>
-          <a:lstStyle/>
-          <a:p>
-            <a:r>
-              <a:rPr lang="en-US" dirty="0"/>
-              <a:t>Get an Access Token for the specific resource</a:t>
-            </a:r>
-          </a:p>
-          <a:p>
-            <a:r>
-              <a:rPr lang="en-US" dirty="0"/>
-              <a:t>Create </a:t>
-            </a:r>
-            <a:r>
-              <a:rPr lang="en-US" dirty="0" err="1"/>
-              <a:t>SharePointClient</a:t>
-            </a:r>
-            <a:r>
-              <a:rPr lang="en-US" dirty="0"/>
-              <a:t> instance</a:t>
-            </a:r>
-          </a:p>
-          <a:p>
-            <a:r>
-              <a:rPr lang="en-US" dirty="0" err="1"/>
-              <a:t>SharePointClient.Files</a:t>
-            </a:r>
-            <a:r>
-              <a:rPr lang="en-US" dirty="0"/>
-              <a:t> abstracts Files API</a:t>
-            </a:r>
-          </a:p>
-        </p:txBody>
-      </p:sp>
-      <p:sp>
-        <p:nvSpPr>
-          <p:cNvPr id="3" name="Title 2"/>
-          <p:cNvSpPr>
-            <a:spLocks noGrp="1"/>
-          </p:cNvSpPr>
-          <p:nvPr>
-            <p:ph type="title"/>
-          </p:nvPr>
-        </p:nvSpPr>
-        <p:spPr/>
-        <p:txBody>
-          <a:bodyPr/>
-          <a:lstStyle/>
-          <a:p>
-            <a:r>
-              <a:rPr lang="en-US" dirty="0" err="1" smtClean="0"/>
-              <a:t>SharePointClient</a:t>
-            </a:r>
-            <a:r>
-              <a:rPr lang="en-US" dirty="0" smtClean="0"/>
-              <a:t> class</a:t>
-            </a:r>
-            <a:endParaRPr lang="en-US" dirty="0"/>
-          </a:p>
-        </p:txBody>
-      </p:sp>
-      <p:sp>
-        <p:nvSpPr>
-          <p:cNvPr id="4" name="Slide Number Placeholder 3"/>
-          <p:cNvSpPr>
-            <a:spLocks noGrp="1"/>
-          </p:cNvSpPr>
-          <p:nvPr>
-            <p:ph type="sldNum" sz="quarter" idx="12"/>
-          </p:nvPr>
-        </p:nvSpPr>
-        <p:spPr/>
-        <p:txBody>
-          <a:bodyPr/>
-          <a:lstStyle/>
-          <a:p>
-            <a:fld id="{727B4C2D-45E2-4621-8491-2995EB46A674}" type="slidenum">
-              <a:rPr lang="en-US" smtClean="0"/>
-              <a:pPr/>
-              <a:t>22</a:t>
-            </a:fld>
-            <a:endParaRPr lang="en-US" dirty="0"/>
-          </a:p>
-        </p:txBody>
-      </p:sp>
-    </p:spTree>
-    <p:extLst>
-      <p:ext uri="{BB962C8B-B14F-4D97-AF65-F5344CB8AC3E}">
-        <p14:creationId xmlns:p14="http://schemas.microsoft.com/office/powerpoint/2010/main" val="435758503"/>
-      </p:ext>
-    </p:extLst>
-  </p:cSld>
-  <p:clrMapOvr>
-    <a:masterClrMapping/>
-  </p:clrMapOvr>
-  <p:transition>
-    <p:fade/>
-  </p:transition>
-</p:sld>
-</file>
-
 <file path=ppt/slides/slide23.xml><?xml version="1.0" encoding="utf-8"?>
 <p:sld xmlns:a="http://schemas.openxmlformats.org/drawingml/2006/main" xmlns:r="http://schemas.openxmlformats.org/officeDocument/2006/relationships" xmlns:p="http://schemas.openxmlformats.org/presentationml/2006/main">
   <p:cSld>
@@ -16969,28 +16076,22 @@
       </p:sp>
       <p:pic>
         <p:nvPicPr>
-          <p:cNvPr id="5" name="Picture 4"/>
+          <p:cNvPr id="6" name="Picture 5"/>
           <p:cNvPicPr>
             <a:picLocks noChangeAspect="1"/>
           </p:cNvPicPr>
           <p:nvPr/>
         </p:nvPicPr>
         <p:blipFill>
-          <a:blip r:embed="rId3">
-            <a:extLst>
-              <a:ext uri="{28A0092B-C50C-407E-A947-70E740481C1C}">
-                <a14:useLocalDpi xmlns:a14="http://schemas.microsoft.com/office/drawing/2010/main" val="0"/>
-              </a:ext>
-            </a:extLst>
-          </a:blip>
+          <a:blip r:embed="rId3"/>
           <a:stretch>
             <a:fillRect/>
           </a:stretch>
         </p:blipFill>
         <p:spPr>
           <a:xfrm>
-            <a:off x="1081385" y="2548476"/>
-            <a:ext cx="9437933" cy="2525942"/>
+            <a:off x="1081386" y="2190541"/>
+            <a:ext cx="9038095" cy="3961905"/>
           </a:xfrm>
           <a:prstGeom prst="rect">
             <a:avLst/>
@@ -17060,7 +16161,6 @@
               <a:rPr lang="en-US" dirty="0" smtClean="0"/>
               <a:t>Connecting Calendar, Mail, and Contacts</a:t>
             </a:r>
-            <a:endParaRPr lang="en-US" dirty="0" smtClean="0"/>
           </a:p>
           <a:p>
             <a:r>
@@ -17073,7 +16173,6 @@
               <a:rPr lang="en-US" dirty="0" smtClean="0"/>
               <a:t>Connecting SharePoint Sites</a:t>
             </a:r>
-            <a:endParaRPr lang="en-US" dirty="0" smtClean="0"/>
           </a:p>
         </p:txBody>
       </p:sp>
@@ -17125,10 +16224,6 @@
               <a:rPr lang="en-US" dirty="0" smtClean="0"/>
               <a:t>Summary</a:t>
             </a:r>
-            <a:r>
-              <a:rPr lang="en-US" dirty="0" smtClean="0"/>
-              <a:t/>
-            </a:r>
             <a:br>
               <a:rPr lang="en-US" dirty="0" smtClean="0"/>
             </a:br>
@@ -17146,13 +16241,13 @@
   <p:clrMapOvr>
     <a:masterClrMapping/>
   </p:clrMapOvr>
-  <mc:AlternateContent xmlns:mc="http://schemas.openxmlformats.org/markup-compatibility/2006">
-    <mc:Choice xmlns:p14="http://schemas.microsoft.com/office/powerpoint/2010/main" Requires="p14">
+  <mc:AlternateContent xmlns:mc="http://schemas.openxmlformats.org/markup-compatibility/2006" xmlns:p14="http://schemas.microsoft.com/office/powerpoint/2010/main">
+    <mc:Choice Requires="p14">
       <p:transition spd="med" p14:dur="700">
         <p:fade/>
       </p:transition>
     </mc:Choice>
-    <mc:Fallback>
+    <mc:Fallback xmlns="">
       <p:transition spd="med">
         <p:fade/>
       </p:transition>
@@ -17708,7 +16803,6 @@
               <a:rPr lang="en-US" dirty="0" smtClean="0"/>
               <a:t>Connecting Calendar, Mail, and Contacts</a:t>
             </a:r>
-            <a:endParaRPr lang="en-US" dirty="0" smtClean="0"/>
           </a:p>
           <a:p>
             <a:r>
@@ -17721,7 +16815,6 @@
               <a:rPr lang="en-US" dirty="0" smtClean="0"/>
               <a:t>Connecting SharePoint Sites</a:t>
             </a:r>
-            <a:endParaRPr lang="en-US" dirty="0" smtClean="0"/>
           </a:p>
         </p:txBody>
       </p:sp>
@@ -18586,11 +17679,7 @@
             </a:r>
             <a:r>
               <a:rPr lang="en-US" sz="4704" dirty="0" smtClean="0"/>
-              <a:t>Office </a:t>
-            </a:r>
-            <a:r>
-              <a:rPr lang="en-US" sz="4704" dirty="0" smtClean="0"/>
-              <a:t>365</a:t>
+              <a:t>Office 365</a:t>
             </a:r>
             <a:endParaRPr lang="en-US" sz="4704" dirty="0"/>
           </a:p>
@@ -20040,9 +19129,12 @@
 </file>
 
 <file path=customXml/item1.xml><?xml version="1.0" encoding="utf-8"?>
-<p:properties xmlns:p="http://schemas.microsoft.com/office/2006/metadata/properties" xmlns:xsi="http://www.w3.org/2001/XMLSchema-instance" xmlns:pc="http://schemas.microsoft.com/office/infopath/2007/PartnerControls">
-  <documentManagement/>
-</p:properties>
+<?mso-contentType ?>
+<FormTemplates xmlns="http://schemas.microsoft.com/sharepoint/v3/contenttype/forms">
+  <Display>DocumentLibraryForm</Display>
+  <Edit>DocumentLibraryForm</Edit>
+  <New>DocumentLibraryForm</New>
+</FormTemplates>
 </file>
 
 <file path=customXml/item2.xml><?xml version="1.0" encoding="utf-8"?>
@@ -20186,26 +19278,15 @@
 </file>
 
 <file path=customXml/item3.xml><?xml version="1.0" encoding="utf-8"?>
-<?mso-contentType ?>
-<FormTemplates xmlns="http://schemas.microsoft.com/sharepoint/v3/contenttype/forms">
-  <Display>DocumentLibraryForm</Display>
-  <Edit>DocumentLibraryForm</Edit>
-  <New>DocumentLibraryForm</New>
-</FormTemplates>
+<p:properties xmlns:p="http://schemas.microsoft.com/office/2006/metadata/properties" xmlns:xsi="http://www.w3.org/2001/XMLSchema-instance" xmlns:pc="http://schemas.microsoft.com/office/infopath/2007/PartnerControls">
+  <documentManagement/>
+</p:properties>
 </file>
 
 <file path=customXml/itemProps1.xml><?xml version="1.0" encoding="utf-8"?>
-<ds:datastoreItem xmlns:ds="http://schemas.openxmlformats.org/officeDocument/2006/customXml" ds:itemID="{DA593625-DB14-4FB0-B5A9-3269FA9C120B}">
+<ds:datastoreItem xmlns:ds="http://schemas.openxmlformats.org/officeDocument/2006/customXml" ds:itemID="{E1E0CE18-CA03-4891-9CD8-3448778E3D53}">
   <ds:schemaRefs>
-    <ds:schemaRef ds:uri="http://schemas.microsoft.com/office/2006/documentManagement/types"/>
-    <ds:schemaRef ds:uri="http://purl.org/dc/elements/1.1/"/>
-    <ds:schemaRef ds:uri="http://schemas.microsoft.com/office/2006/metadata/properties"/>
-    <ds:schemaRef ds:uri="5fad15d0-477e-40da-a20d-40d4ca777cbd"/>
-    <ds:schemaRef ds:uri="http://www.w3.org/XML/1998/namespace"/>
-    <ds:schemaRef ds:uri="http://schemas.microsoft.com/office/infopath/2007/PartnerControls"/>
-    <ds:schemaRef ds:uri="http://purl.org/dc/dcmitype/"/>
-    <ds:schemaRef ds:uri="http://schemas.openxmlformats.org/package/2006/metadata/core-properties"/>
-    <ds:schemaRef ds:uri="http://purl.org/dc/terms/"/>
+    <ds:schemaRef ds:uri="http://schemas.microsoft.com/sharepoint/v3/contenttype/forms"/>
   </ds:schemaRefs>
 </ds:datastoreItem>
 </file>
@@ -20229,9 +19310,17 @@
 </file>
 
 <file path=customXml/itemProps3.xml><?xml version="1.0" encoding="utf-8"?>
-<ds:datastoreItem xmlns:ds="http://schemas.openxmlformats.org/officeDocument/2006/customXml" ds:itemID="{E1E0CE18-CA03-4891-9CD8-3448778E3D53}">
+<ds:datastoreItem xmlns:ds="http://schemas.openxmlformats.org/officeDocument/2006/customXml" ds:itemID="{DA593625-DB14-4FB0-B5A9-3269FA9C120B}">
   <ds:schemaRefs>
-    <ds:schemaRef ds:uri="http://schemas.microsoft.com/sharepoint/v3/contenttype/forms"/>
+    <ds:schemaRef ds:uri="http://schemas.microsoft.com/office/2006/metadata/properties"/>
+    <ds:schemaRef ds:uri="http://purl.org/dc/terms/"/>
+    <ds:schemaRef ds:uri="http://schemas.openxmlformats.org/package/2006/metadata/core-properties"/>
+    <ds:schemaRef ds:uri="5fad15d0-477e-40da-a20d-40d4ca777cbd"/>
+    <ds:schemaRef ds:uri="http://purl.org/dc/dcmitype/"/>
+    <ds:schemaRef ds:uri="http://schemas.microsoft.com/office/infopath/2007/PartnerControls"/>
+    <ds:schemaRef ds:uri="http://schemas.microsoft.com/office/2006/documentManagement/types"/>
+    <ds:schemaRef ds:uri="http://purl.org/dc/elements/1.1/"/>
+    <ds:schemaRef ds:uri="http://www.w3.org/XML/1998/namespace"/>
   </ds:schemaRefs>
 </ds:datastoreItem>
 </file>
--- a/04a.Hook into Office 365 APIs/Hook into Office 365 APIs.pptx
+++ b/04a.Hook into Office 365 APIs/Hook into Office 365 APIs.pptx
@@ -6,10 +6,10 @@
     <p:sldMasterId id="2147484046" r:id="rId5"/>
   </p:sldMasterIdLst>
   <p:notesMasterIdLst>
-    <p:notesMasterId r:id="rId31"/>
+    <p:notesMasterId r:id="rId32"/>
   </p:notesMasterIdLst>
   <p:handoutMasterIdLst>
-    <p:handoutMasterId r:id="rId32"/>
+    <p:handoutMasterId r:id="rId33"/>
   </p:handoutMasterIdLst>
   <p:sldIdLst>
     <p:sldId id="778" r:id="rId6"/>
@@ -30,13 +30,14 @@
     <p:sldId id="904" r:id="rId21"/>
     <p:sldId id="911" r:id="rId22"/>
     <p:sldId id="912" r:id="rId23"/>
-    <p:sldId id="859" r:id="rId24"/>
-    <p:sldId id="906" r:id="rId25"/>
-    <p:sldId id="907" r:id="rId26"/>
-    <p:sldId id="893" r:id="rId27"/>
-    <p:sldId id="909" r:id="rId28"/>
-    <p:sldId id="892" r:id="rId29"/>
-    <p:sldId id="654" r:id="rId30"/>
+    <p:sldId id="913" r:id="rId24"/>
+    <p:sldId id="859" r:id="rId25"/>
+    <p:sldId id="906" r:id="rId26"/>
+    <p:sldId id="907" r:id="rId27"/>
+    <p:sldId id="893" r:id="rId28"/>
+    <p:sldId id="909" r:id="rId29"/>
+    <p:sldId id="892" r:id="rId30"/>
+    <p:sldId id="654" r:id="rId31"/>
   </p:sldIdLst>
   <p:sldSz cx="12188825" cy="6858000"/>
   <p:notesSz cx="6858000" cy="9144000"/>
@@ -1182,21 +1183,43 @@
           <a:lstStyle/>
           <a:p>
             <a:r>
+              <a:rPr lang="en-US" dirty="0" smtClean="0">
+                <a:effectLst/>
+              </a:rPr>
+              <a:t>OneDrive for Business is a personal library intended for storing and organizing your work documents. As an integral part of Office 365 or SharePoint Server 2013, OneDrive for Business lets you work within the context of your organization, with features such as direct access to your organization’s address book.</a:t>
+            </a:r>
+          </a:p>
+          <a:p>
+            <a:r>
+              <a:rPr lang="en-US" b="1" dirty="0" smtClean="0"/>
+              <a:t> Note </a:t>
+            </a:r>
+            <a:r>
               <a:rPr lang="en-US" dirty="0" smtClean="0"/>
-              <a:t>The discovery service discovers the “</a:t>
-            </a:r>
-            <a:r>
-              <a:rPr lang="en-US" dirty="0" err="1" smtClean="0"/>
-              <a:t>MyFiles</a:t>
+              <a:t>   </a:t>
+            </a:r>
+            <a:r>
+              <a:rPr lang="en-US" dirty="0" smtClean="0">
+                <a:hlinkClick r:id="rId3"/>
+              </a:rPr>
+              <a:t>OneDrive for Business is different from OneDrive</a:t>
             </a:r>
             <a:r>
               <a:rPr lang="en-US" dirty="0" smtClean="0"/>
-              <a:t>” capability,</a:t>
-            </a:r>
-            <a:r>
-              <a:rPr lang="en-US" baseline="0" dirty="0" smtClean="0"/>
-              <a:t> which will always try to access the OneDrive for Business library</a:t>
-            </a:r>
+              <a:t>, which is intended for personal storage separate from your workplace. </a:t>
+            </a:r>
+            <a:r>
+              <a:rPr lang="en-US" dirty="0" smtClean="0">
+                <a:hlinkClick r:id="rId4"/>
+              </a:rPr>
+              <a:t>OneDrive for Business is also different from your team site</a:t>
+            </a:r>
+            <a:r>
+              <a:rPr lang="en-US" dirty="0" smtClean="0"/>
+              <a:t>, which is intended for storing team or project-related documents. </a:t>
+            </a:r>
+          </a:p>
+          <a:p>
             <a:endParaRPr lang="en-US" dirty="0"/>
           </a:p>
         </p:txBody>
@@ -1216,7 +1239,7 @@
           <a:bodyPr/>
           <a:lstStyle/>
           <a:p>
-            <a:fld id="{23FDFFE0-9E47-4B8C-842E-FA426FE218C8}" type="datetime1">
+            <a:fld id="{EF0BC8FF-1410-4CCA-B01C-BFED761700B3}" type="datetime1">
               <a:rPr lang="en-US" smtClean="0"/>
               <a:t>10/31/2014</a:t>
             </a:fld>
@@ -1349,7 +1372,7 @@
     </p:spTree>
     <p:extLst>
       <p:ext uri="{BB962C8B-B14F-4D97-AF65-F5344CB8AC3E}">
-        <p14:creationId xmlns:p14="http://schemas.microsoft.com/office/powerpoint/2010/main" val="2709724244"/>
+        <p14:creationId xmlns:p14="http://schemas.microsoft.com/office/powerpoint/2010/main" val="3766273958"/>
       </p:ext>
     </p:extLst>
   </p:cSld>
@@ -1403,6 +1426,22 @@
           <a:bodyPr/>
           <a:lstStyle/>
           <a:p>
+            <a:r>
+              <a:rPr lang="en-US" dirty="0" smtClean="0"/>
+              <a:t>The discovery service discovers the “</a:t>
+            </a:r>
+            <a:r>
+              <a:rPr lang="en-US" dirty="0" err="1" smtClean="0"/>
+              <a:t>MyFiles</a:t>
+            </a:r>
+            <a:r>
+              <a:rPr lang="en-US" dirty="0" smtClean="0"/>
+              <a:t>” capability,</a:t>
+            </a:r>
+            <a:r>
+              <a:rPr lang="en-US" baseline="0" dirty="0" smtClean="0"/>
+              <a:t> which will always try to access the OneDrive for Business library</a:t>
+            </a:r>
             <a:endParaRPr lang="en-US" dirty="0"/>
           </a:p>
         </p:txBody>
@@ -1422,7 +1461,7 @@
           <a:bodyPr/>
           <a:lstStyle/>
           <a:p>
-            <a:fld id="{9F6C2A45-62A9-453C-B1A0-E9BD4232256A}" type="datetime1">
+            <a:fld id="{23FDFFE0-9E47-4B8C-842E-FA426FE218C8}" type="datetime1">
               <a:rPr lang="en-US" smtClean="0"/>
               <a:t>10/31/2014</a:t>
             </a:fld>
@@ -1447,7 +1486,7 @@
           <a:p>
             <a:fld id="{B4008EB6-D09E-4580-8CD6-DDB14511944F}" type="slidenum">
               <a:rPr lang="en-US" smtClean="0"/>
-              <a:t>23</a:t>
+              <a:t>22</a:t>
             </a:fld>
             <a:endParaRPr lang="en-US" dirty="0"/>
           </a:p>
@@ -1555,7 +1594,7 @@
     </p:spTree>
     <p:extLst>
       <p:ext uri="{BB962C8B-B14F-4D97-AF65-F5344CB8AC3E}">
-        <p14:creationId xmlns:p14="http://schemas.microsoft.com/office/powerpoint/2010/main" val="4257398026"/>
+        <p14:creationId xmlns:p14="http://schemas.microsoft.com/office/powerpoint/2010/main" val="2709724244"/>
       </p:ext>
     </p:extLst>
   </p:cSld>
@@ -1615,12 +1654,12 @@
       </p:sp>
       <p:sp>
         <p:nvSpPr>
-          <p:cNvPr id="4" name="Footer Placeholder 3"/>
-          <p:cNvSpPr>
-            <a:spLocks noGrp="1"/>
-          </p:cNvSpPr>
-          <p:nvPr>
-            <p:ph type="ftr" sz="quarter" idx="10"/>
+          <p:cNvPr id="4" name="Date Placeholder 3"/>
+          <p:cNvSpPr>
+            <a:spLocks noGrp="1"/>
+          </p:cNvSpPr>
+          <p:nvPr>
+            <p:ph type="dt" idx="10"/>
           </p:nvPr>
         </p:nvSpPr>
         <p:spPr/>
@@ -1628,16 +1667,85 @@
           <a:bodyPr/>
           <a:lstStyle/>
           <a:p>
-            <a:pPr defTabSz="914099" eaLnBrk="0" hangingPunct="0"/>
-            <a:r>
-              <a:rPr lang="en-US" sz="400" smtClean="0">
+            <a:fld id="{9F6C2A45-62A9-453C-B1A0-E9BD4232256A}" type="datetime1">
+              <a:rPr lang="en-US" smtClean="0"/>
+              <a:t>10/31/2014</a:t>
+            </a:fld>
+            <a:endParaRPr lang="en-US"/>
+          </a:p>
+        </p:txBody>
+      </p:sp>
+      <p:sp>
+        <p:nvSpPr>
+          <p:cNvPr id="5" name="Slide Number Placeholder 4"/>
+          <p:cNvSpPr>
+            <a:spLocks noGrp="1"/>
+          </p:cNvSpPr>
+          <p:nvPr>
+            <p:ph type="sldNum" sz="quarter" idx="11"/>
+          </p:nvPr>
+        </p:nvSpPr>
+        <p:spPr/>
+        <p:txBody>
+          <a:bodyPr/>
+          <a:lstStyle/>
+          <a:p>
+            <a:fld id="{B4008EB6-D09E-4580-8CD6-DDB14511944F}" type="slidenum">
+              <a:rPr lang="en-US" smtClean="0"/>
+              <a:t>24</a:t>
+            </a:fld>
+            <a:endParaRPr lang="en-US" dirty="0"/>
+          </a:p>
+        </p:txBody>
+      </p:sp>
+      <p:sp>
+        <p:nvSpPr>
+          <p:cNvPr id="6" name="Header Placeholder 5"/>
+          <p:cNvSpPr>
+            <a:spLocks noGrp="1"/>
+          </p:cNvSpPr>
+          <p:nvPr>
+            <p:ph type="hdr" sz="quarter" idx="12"/>
+          </p:nvPr>
+        </p:nvSpPr>
+        <p:spPr/>
+        <p:txBody>
+          <a:bodyPr/>
+          <a:lstStyle/>
+          <a:p>
+            <a:r>
+              <a:rPr lang="en-US" smtClean="0"/>
+              <a:t>Microsoft Office</a:t>
+            </a:r>
+            <a:endParaRPr lang="en-US" dirty="0"/>
+          </a:p>
+        </p:txBody>
+      </p:sp>
+      <p:sp>
+        <p:nvSpPr>
+          <p:cNvPr id="7" name="Footer Placeholder 6"/>
+          <p:cNvSpPr>
+            <a:spLocks noGrp="1"/>
+          </p:cNvSpPr>
+          <p:nvPr>
+            <p:ph type="ftr" sz="quarter" idx="13"/>
+          </p:nvPr>
+        </p:nvSpPr>
+        <p:spPr/>
+        <p:txBody>
+          <a:bodyPr/>
+          <a:lstStyle/>
+          <a:p>
+            <a:pPr marL="231775" defTabSz="914099" eaLnBrk="0" hangingPunct="0"/>
+            <a:r>
+              <a:rPr lang="en-US" sz="500" smtClean="0">
                 <a:gradFill>
                   <a:gsLst>
                     <a:gs pos="0">
-                      <a:prstClr val="black"/>
+                      <a:schemeClr val="tx1"/>
                     </a:gs>
                     <a:gs pos="100000">
-                      <a:prstClr val="black"/>
+                      <a:schemeClr val="tx1"/>
                     </a:gs>
                   </a:gsLst>
                   <a:lin ang="5400000" scaled="0"/>
@@ -1646,16 +1754,38 @@
                 <a:ea typeface="Segoe UI" pitchFamily="34" charset="0"/>
                 <a:cs typeface="Segoe UI" pitchFamily="34" charset="0"/>
               </a:rPr>
-              <a:t>© 2014 Microsoft Corporation. All rights reserved. Microsoft, Windows, and other product names are or may be registered trademarks and/or trademarks in the U.S. and/or other countries. The information herein is for informational purposes only and represents the current view of Microsoft Corporation as of the date of this presentation.  Because Microsoft must respond to changing market conditions, it should not be interpreted to be a commitment on the part of Microsoft, and Microsoft cannot guarantee the accuracy of any information provided after the date of this presentation.  MICROSOFT MAKES NO WARRANTIES, EXPRESS, IMPLIED OR STATUTORY, AS TO THE INFORMATION IN THIS PRESENTATION.</a:t>
-            </a:r>
-            <a:endParaRPr lang="en-US" sz="400" dirty="0" smtClean="0">
+              <a:t>© 2012 Microsoft Corporation. All rights reserved. Microsoft, Windows, and other product names are or may be registered trademarks and/or trademarks in the U.S. and/or other countries.</a:t>
+            </a:r>
+          </a:p>
+          <a:p>
+            <a:pPr marL="231775" defTabSz="914099" eaLnBrk="0" hangingPunct="0"/>
+            <a:r>
+              <a:rPr lang="en-US" sz="500" smtClean="0">
+                <a:gradFill>
+                  <a:gsLst>
+                    <a:gs pos="0">
+                      <a:schemeClr val="tx1"/>
+                    </a:gs>
+                    <a:gs pos="100000">
+                      <a:schemeClr val="tx1"/>
+                    </a:gs>
+                  </a:gsLst>
+                  <a:lin ang="5400000" scaled="0"/>
+                </a:gradFill>
+                <a:latin typeface="Segoe UI" pitchFamily="34" charset="0"/>
+                <a:ea typeface="Segoe UI" pitchFamily="34" charset="0"/>
+                <a:cs typeface="Segoe UI" pitchFamily="34" charset="0"/>
+              </a:rPr>
+              <a:t>The information herein is for informational purposes only and represents the current view of Microsoft Corporation as of the date of this presentation.  Because Microsoft must respond to changing market conditions, it should not be interpreted to be a commitment on the part of Microsoft, and Microsoft cannot guarantee the accuracy of any information provided after the date of this presentation.  MICROSOFT MAKES NO WARRANTIES, EXPRESS, IMPLIED OR STATUTORY, AS TO THE INFORMATION IN THIS PRESENTATION.</a:t>
+            </a:r>
+            <a:endParaRPr lang="en-US" sz="500" dirty="0">
               <a:gradFill>
                 <a:gsLst>
                   <a:gs pos="0">
-                    <a:prstClr val="black"/>
+                    <a:schemeClr val="tx1"/>
                   </a:gs>
                   <a:gs pos="100000">
-                    <a:prstClr val="black"/>
+                    <a:schemeClr val="tx1"/>
                   </a:gs>
                 </a:gsLst>
                 <a:lin ang="5400000" scaled="0"/>
@@ -1667,80 +1797,10 @@
           </a:p>
         </p:txBody>
       </p:sp>
-      <p:sp>
-        <p:nvSpPr>
-          <p:cNvPr id="5" name="Date Placeholder 4"/>
-          <p:cNvSpPr>
-            <a:spLocks noGrp="1"/>
-          </p:cNvSpPr>
-          <p:nvPr>
-            <p:ph type="dt" idx="11"/>
-          </p:nvPr>
-        </p:nvSpPr>
-        <p:spPr/>
-        <p:txBody>
-          <a:bodyPr/>
-          <a:lstStyle/>
-          <a:p>
-            <a:fld id="{B079C3B8-7366-4A44-A34B-3977080C19E7}" type="datetime1">
-              <a:rPr lang="en-US" smtClean="0"/>
-              <a:t>10/31/2014</a:t>
-            </a:fld>
-            <a:endParaRPr lang="en-US" dirty="0"/>
-          </a:p>
-        </p:txBody>
-      </p:sp>
-      <p:sp>
-        <p:nvSpPr>
-          <p:cNvPr id="6" name="Slide Number Placeholder 5"/>
-          <p:cNvSpPr>
-            <a:spLocks noGrp="1"/>
-          </p:cNvSpPr>
-          <p:nvPr>
-            <p:ph type="sldNum" sz="quarter" idx="12"/>
-          </p:nvPr>
-        </p:nvSpPr>
-        <p:spPr/>
-        <p:txBody>
-          <a:bodyPr/>
-          <a:lstStyle/>
-          <a:p>
-            <a:fld id="{B4008EB6-D09E-4580-8CD6-DDB14511944F}" type="slidenum">
-              <a:rPr lang="en-US" smtClean="0"/>
-              <a:pPr/>
-              <a:t>24</a:t>
-            </a:fld>
-            <a:endParaRPr lang="en-US" dirty="0"/>
-          </a:p>
-        </p:txBody>
-      </p:sp>
-      <p:sp>
-        <p:nvSpPr>
-          <p:cNvPr id="7" name="Header Placeholder 6"/>
-          <p:cNvSpPr>
-            <a:spLocks noGrp="1"/>
-          </p:cNvSpPr>
-          <p:nvPr>
-            <p:ph type="hdr" sz="quarter" idx="13"/>
-          </p:nvPr>
-        </p:nvSpPr>
-        <p:spPr/>
-        <p:txBody>
-          <a:bodyPr/>
-          <a:lstStyle/>
-          <a:p>
-            <a:r>
-              <a:rPr lang="en-US" smtClean="0"/>
-              <a:t>Build 2014</a:t>
-            </a:r>
-            <a:endParaRPr lang="en-US" dirty="0"/>
-          </a:p>
-        </p:txBody>
-      </p:sp>
     </p:spTree>
     <p:extLst>
       <p:ext uri="{BB962C8B-B14F-4D97-AF65-F5344CB8AC3E}">
-        <p14:creationId xmlns:p14="http://schemas.microsoft.com/office/powerpoint/2010/main" val="3487399188"/>
+        <p14:creationId xmlns:p14="http://schemas.microsoft.com/office/powerpoint/2010/main" val="4257398026"/>
       </p:ext>
     </p:extLst>
   </p:cSld>
@@ -1794,56 +1854,21 @@
           <a:bodyPr/>
           <a:lstStyle/>
           <a:p>
-            <a:endParaRPr lang="en-US"/>
-          </a:p>
-        </p:txBody>
-      </p:sp>
-      <p:sp>
-        <p:nvSpPr>
-          <p:cNvPr id="4" name="Header Placeholder 3"/>
-          <p:cNvSpPr>
-            <a:spLocks noGrp="1"/>
-          </p:cNvSpPr>
-          <p:nvPr>
-            <p:ph type="hdr" sz="quarter" idx="10"/>
-          </p:nvPr>
-        </p:nvSpPr>
-        <p:spPr>
-          <a:xfrm>
-            <a:off x="0" y="0"/>
-            <a:ext cx="2971800" cy="457200"/>
-          </a:xfrm>
-          <a:prstGeom prst="rect">
-            <a:avLst/>
-          </a:prstGeom>
-        </p:spPr>
-        <p:txBody>
-          <a:bodyPr/>
-          <a:lstStyle/>
-          <a:p>
             <a:endParaRPr lang="en-US" dirty="0"/>
           </a:p>
         </p:txBody>
       </p:sp>
       <p:sp>
         <p:nvSpPr>
-          <p:cNvPr id="5" name="Footer Placeholder 4"/>
-          <p:cNvSpPr>
-            <a:spLocks noGrp="1"/>
-          </p:cNvSpPr>
-          <p:nvPr>
-            <p:ph type="ftr" sz="quarter" idx="11"/>
-          </p:nvPr>
-        </p:nvSpPr>
-        <p:spPr>
-          <a:xfrm>
-            <a:off x="0" y="8686800"/>
-            <a:ext cx="5920740" cy="355964"/>
-          </a:xfrm>
-          <a:prstGeom prst="rect">
-            <a:avLst/>
-          </a:prstGeom>
-        </p:spPr>
+          <p:cNvPr id="4" name="Footer Placeholder 3"/>
+          <p:cNvSpPr>
+            <a:spLocks noGrp="1"/>
+          </p:cNvSpPr>
+          <p:nvPr>
+            <p:ph type="ftr" sz="quarter" idx="10"/>
+          </p:nvPr>
+        </p:nvSpPr>
+        <p:spPr/>
         <p:txBody>
           <a:bodyPr/>
           <a:lstStyle/>
@@ -1866,29 +1891,7 @@
                 <a:ea typeface="Segoe UI" pitchFamily="34" charset="0"/>
                 <a:cs typeface="Segoe UI" pitchFamily="34" charset="0"/>
               </a:rPr>
-              <a:t>© 2012 Microsoft Corporation. All rights reserved. Microsoft, Windows, and other product names are or may be registered trademarks and/or trademarks in the U.S. and/or other countries.</a:t>
-            </a:r>
-          </a:p>
-          <a:p>
-            <a:pPr defTabSz="914099" eaLnBrk="0" hangingPunct="0"/>
-            <a:r>
-              <a:rPr lang="en-US" sz="400" smtClean="0">
-                <a:gradFill>
-                  <a:gsLst>
-                    <a:gs pos="0">
-                      <a:prstClr val="black"/>
-                    </a:gs>
-                    <a:gs pos="100000">
-                      <a:prstClr val="black"/>
-                    </a:gs>
-                  </a:gsLst>
-                  <a:lin ang="5400000" scaled="0"/>
-                </a:gradFill>
-                <a:latin typeface="Segoe UI" pitchFamily="34" charset="0"/>
-                <a:ea typeface="Segoe UI" pitchFamily="34" charset="0"/>
-                <a:cs typeface="Segoe UI" pitchFamily="34" charset="0"/>
-              </a:rPr>
-              <a:t>The information herein is for informational purposes only and represents the current view of Microsoft Corporation as of the date of this presentation.  Because Microsoft must respond to changing market conditions, it should not be interpreted to be a commitment on the part of Microsoft, and Microsoft cannot guarantee the accuracy of any information provided after the date of this presentation.  MICROSOFT MAKES NO WARRANTIES, EXPRESS, IMPLIED OR STATUTORY, AS TO THE INFORMATION IN THIS PRESENTATION.</a:t>
+              <a:t>© 2014 Microsoft Corporation. All rights reserved. Microsoft, Windows, and other product names are or may be registered trademarks and/or trademarks in the U.S. and/or other countries. The information herein is for informational purposes only and represents the current view of Microsoft Corporation as of the date of this presentation.  Because Microsoft must respond to changing market conditions, it should not be interpreted to be a commitment on the part of Microsoft, and Microsoft cannot guarantee the accuracy of any information provided after the date of this presentation.  MICROSOFT MAKES NO WARRANTIES, EXPRESS, IMPLIED OR STATUTORY, AS TO THE INFORMATION IN THIS PRESENTATION.</a:t>
             </a:r>
             <a:endParaRPr lang="en-US" sz="400" dirty="0" smtClean="0">
               <a:gradFill>
@@ -1911,6 +1914,248 @@
       </p:sp>
       <p:sp>
         <p:nvSpPr>
+          <p:cNvPr id="5" name="Date Placeholder 4"/>
+          <p:cNvSpPr>
+            <a:spLocks noGrp="1"/>
+          </p:cNvSpPr>
+          <p:nvPr>
+            <p:ph type="dt" idx="11"/>
+          </p:nvPr>
+        </p:nvSpPr>
+        <p:spPr/>
+        <p:txBody>
+          <a:bodyPr/>
+          <a:lstStyle/>
+          <a:p>
+            <a:fld id="{B079C3B8-7366-4A44-A34B-3977080C19E7}" type="datetime1">
+              <a:rPr lang="en-US" smtClean="0"/>
+              <a:t>10/31/2014</a:t>
+            </a:fld>
+            <a:endParaRPr lang="en-US" dirty="0"/>
+          </a:p>
+        </p:txBody>
+      </p:sp>
+      <p:sp>
+        <p:nvSpPr>
+          <p:cNvPr id="6" name="Slide Number Placeholder 5"/>
+          <p:cNvSpPr>
+            <a:spLocks noGrp="1"/>
+          </p:cNvSpPr>
+          <p:nvPr>
+            <p:ph type="sldNum" sz="quarter" idx="12"/>
+          </p:nvPr>
+        </p:nvSpPr>
+        <p:spPr/>
+        <p:txBody>
+          <a:bodyPr/>
+          <a:lstStyle/>
+          <a:p>
+            <a:fld id="{B4008EB6-D09E-4580-8CD6-DDB14511944F}" type="slidenum">
+              <a:rPr lang="en-US" smtClean="0"/>
+              <a:pPr/>
+              <a:t>25</a:t>
+            </a:fld>
+            <a:endParaRPr lang="en-US" dirty="0"/>
+          </a:p>
+        </p:txBody>
+      </p:sp>
+      <p:sp>
+        <p:nvSpPr>
+          <p:cNvPr id="7" name="Header Placeholder 6"/>
+          <p:cNvSpPr>
+            <a:spLocks noGrp="1"/>
+          </p:cNvSpPr>
+          <p:nvPr>
+            <p:ph type="hdr" sz="quarter" idx="13"/>
+          </p:nvPr>
+        </p:nvSpPr>
+        <p:spPr/>
+        <p:txBody>
+          <a:bodyPr/>
+          <a:lstStyle/>
+          <a:p>
+            <a:r>
+              <a:rPr lang="en-US" smtClean="0"/>
+              <a:t>Build 2014</a:t>
+            </a:r>
+            <a:endParaRPr lang="en-US" dirty="0"/>
+          </a:p>
+        </p:txBody>
+      </p:sp>
+    </p:spTree>
+    <p:extLst>
+      <p:ext uri="{BB962C8B-B14F-4D97-AF65-F5344CB8AC3E}">
+        <p14:creationId xmlns:p14="http://schemas.microsoft.com/office/powerpoint/2010/main" val="3487399188"/>
+      </p:ext>
+    </p:extLst>
+  </p:cSld>
+  <p:clrMapOvr>
+    <a:masterClrMapping/>
+  </p:clrMapOvr>
+</p:notes>
+</file>
+
+<file path=ppt/notesSlides/notesSlide14.xml><?xml version="1.0" encoding="utf-8"?>
+<p:notes xmlns:a="http://schemas.openxmlformats.org/drawingml/2006/main" xmlns:r="http://schemas.openxmlformats.org/officeDocument/2006/relationships" xmlns:p="http://schemas.openxmlformats.org/presentationml/2006/main">
+  <p:cSld>
+    <p:spTree>
+      <p:nvGrpSpPr>
+        <p:cNvPr id="1" name=""/>
+        <p:cNvGrpSpPr/>
+        <p:nvPr/>
+      </p:nvGrpSpPr>
+      <p:grpSpPr>
+        <a:xfrm>
+          <a:off x="0" y="0"/>
+          <a:ext cx="0" cy="0"/>
+          <a:chOff x="0" y="0"/>
+          <a:chExt cx="0" cy="0"/>
+        </a:xfrm>
+      </p:grpSpPr>
+      <p:sp>
+        <p:nvSpPr>
+          <p:cNvPr id="2" name="Slide Image Placeholder 1"/>
+          <p:cNvSpPr>
+            <a:spLocks noGrp="1" noRot="1" noChangeAspect="1"/>
+          </p:cNvSpPr>
+          <p:nvPr>
+            <p:ph type="sldImg"/>
+          </p:nvPr>
+        </p:nvSpPr>
+        <p:spPr/>
+      </p:sp>
+      <p:sp>
+        <p:nvSpPr>
+          <p:cNvPr id="3" name="Notes Placeholder 2"/>
+          <p:cNvSpPr>
+            <a:spLocks noGrp="1"/>
+          </p:cNvSpPr>
+          <p:nvPr>
+            <p:ph type="body" idx="1"/>
+          </p:nvPr>
+        </p:nvSpPr>
+        <p:spPr/>
+        <p:txBody>
+          <a:bodyPr/>
+          <a:lstStyle/>
+          <a:p>
+            <a:endParaRPr lang="en-US"/>
+          </a:p>
+        </p:txBody>
+      </p:sp>
+      <p:sp>
+        <p:nvSpPr>
+          <p:cNvPr id="4" name="Header Placeholder 3"/>
+          <p:cNvSpPr>
+            <a:spLocks noGrp="1"/>
+          </p:cNvSpPr>
+          <p:nvPr>
+            <p:ph type="hdr" sz="quarter" idx="10"/>
+          </p:nvPr>
+        </p:nvSpPr>
+        <p:spPr>
+          <a:xfrm>
+            <a:off x="0" y="0"/>
+            <a:ext cx="2971800" cy="457200"/>
+          </a:xfrm>
+          <a:prstGeom prst="rect">
+            <a:avLst/>
+          </a:prstGeom>
+        </p:spPr>
+        <p:txBody>
+          <a:bodyPr/>
+          <a:lstStyle/>
+          <a:p>
+            <a:endParaRPr lang="en-US" dirty="0"/>
+          </a:p>
+        </p:txBody>
+      </p:sp>
+      <p:sp>
+        <p:nvSpPr>
+          <p:cNvPr id="5" name="Footer Placeholder 4"/>
+          <p:cNvSpPr>
+            <a:spLocks noGrp="1"/>
+          </p:cNvSpPr>
+          <p:nvPr>
+            <p:ph type="ftr" sz="quarter" idx="11"/>
+          </p:nvPr>
+        </p:nvSpPr>
+        <p:spPr>
+          <a:xfrm>
+            <a:off x="0" y="8686800"/>
+            <a:ext cx="5920740" cy="355964"/>
+          </a:xfrm>
+          <a:prstGeom prst="rect">
+            <a:avLst/>
+          </a:prstGeom>
+        </p:spPr>
+        <p:txBody>
+          <a:bodyPr/>
+          <a:lstStyle/>
+          <a:p>
+            <a:pPr defTabSz="914099" eaLnBrk="0" hangingPunct="0"/>
+            <a:r>
+              <a:rPr lang="en-US" sz="400" smtClean="0">
+                <a:gradFill>
+                  <a:gsLst>
+                    <a:gs pos="0">
+                      <a:prstClr val="black"/>
+                    </a:gs>
+                    <a:gs pos="100000">
+                      <a:prstClr val="black"/>
+                    </a:gs>
+                  </a:gsLst>
+                  <a:lin ang="5400000" scaled="0"/>
+                </a:gradFill>
+                <a:latin typeface="Segoe UI" pitchFamily="34" charset="0"/>
+                <a:ea typeface="Segoe UI" pitchFamily="34" charset="0"/>
+                <a:cs typeface="Segoe UI" pitchFamily="34" charset="0"/>
+              </a:rPr>
+              <a:t>© 2012 Microsoft Corporation. All rights reserved. Microsoft, Windows, and other product names are or may be registered trademarks and/or trademarks in the U.S. and/or other countries.</a:t>
+            </a:r>
+          </a:p>
+          <a:p>
+            <a:pPr defTabSz="914099" eaLnBrk="0" hangingPunct="0"/>
+            <a:r>
+              <a:rPr lang="en-US" sz="400" smtClean="0">
+                <a:gradFill>
+                  <a:gsLst>
+                    <a:gs pos="0">
+                      <a:prstClr val="black"/>
+                    </a:gs>
+                    <a:gs pos="100000">
+                      <a:prstClr val="black"/>
+                    </a:gs>
+                  </a:gsLst>
+                  <a:lin ang="5400000" scaled="0"/>
+                </a:gradFill>
+                <a:latin typeface="Segoe UI" pitchFamily="34" charset="0"/>
+                <a:ea typeface="Segoe UI" pitchFamily="34" charset="0"/>
+                <a:cs typeface="Segoe UI" pitchFamily="34" charset="0"/>
+              </a:rPr>
+              <a:t>The information herein is for informational purposes only and represents the current view of Microsoft Corporation as of the date of this presentation.  Because Microsoft must respond to changing market conditions, it should not be interpreted to be a commitment on the part of Microsoft, and Microsoft cannot guarantee the accuracy of any information provided after the date of this presentation.  MICROSOFT MAKES NO WARRANTIES, EXPRESS, IMPLIED OR STATUTORY, AS TO THE INFORMATION IN THIS PRESENTATION.</a:t>
+            </a:r>
+            <a:endParaRPr lang="en-US" sz="400" dirty="0" smtClean="0">
+              <a:gradFill>
+                <a:gsLst>
+                  <a:gs pos="0">
+                    <a:prstClr val="black"/>
+                  </a:gs>
+                  <a:gs pos="100000">
+                    <a:prstClr val="black"/>
+                  </a:gs>
+                </a:gsLst>
+                <a:lin ang="5400000" scaled="0"/>
+              </a:gradFill>
+              <a:latin typeface="Segoe UI" pitchFamily="34" charset="0"/>
+              <a:ea typeface="Segoe UI" pitchFamily="34" charset="0"/>
+              <a:cs typeface="Segoe UI" pitchFamily="34" charset="0"/>
+            </a:endParaRPr>
+          </a:p>
+        </p:txBody>
+      </p:sp>
+      <p:sp>
+        <p:nvSpPr>
           <p:cNvPr id="6" name="Date Placeholder 5"/>
           <p:cNvSpPr>
             <a:spLocks noGrp="1"/>
@@ -1949,7 +2194,7 @@
           <a:p>
             <a:fld id="{B4008EB6-D09E-4580-8CD6-DDB14511944F}" type="slidenum">
               <a:rPr lang="en-US" smtClean="0"/>
-              <a:t>25</a:t>
+              <a:t>26</a:t>
             </a:fld>
             <a:endParaRPr lang="en-US" dirty="0"/>
           </a:p>
@@ -3460,44 +3705,6 @@
           <a:bodyPr/>
           <a:lstStyle/>
           <a:p>
-            <a:r>
-              <a:rPr lang="en-US" dirty="0" smtClean="0">
-                <a:effectLst/>
-              </a:rPr>
-              <a:t>OneDrive for Business is a personal library intended for storing and organizing your work documents. As an integral part of Office 365 or SharePoint Server 2013, OneDrive for Business lets you work within the context of your organization, with features such as direct access to your organization’s address book.</a:t>
-            </a:r>
-          </a:p>
-          <a:p>
-            <a:r>
-              <a:rPr lang="en-US" b="1" dirty="0" smtClean="0"/>
-              <a:t> Note </a:t>
-            </a:r>
-            <a:r>
-              <a:rPr lang="en-US" dirty="0" smtClean="0"/>
-              <a:t>   </a:t>
-            </a:r>
-            <a:r>
-              <a:rPr lang="en-US" dirty="0" smtClean="0">
-                <a:hlinkClick r:id="rId3"/>
-              </a:rPr>
-              <a:t>OneDrive for Business is different from OneDrive</a:t>
-            </a:r>
-            <a:r>
-              <a:rPr lang="en-US" dirty="0" smtClean="0"/>
-              <a:t>, which is intended for personal storage separate from your workplace. </a:t>
-            </a:r>
-            <a:r>
-              <a:rPr lang="en-US" dirty="0" smtClean="0">
-                <a:hlinkClick r:id="rId4"/>
-              </a:rPr>
-              <a:t>OneDrive for Business is also different from your team site</a:t>
-            </a:r>
-            <a:r>
-              <a:rPr lang="en-US" dirty="0" smtClean="0"/>
-              <a:t>, which is intended for storing team or project-related documents. </a:t>
-            </a:r>
-          </a:p>
-          <a:p>
             <a:endParaRPr lang="en-US" dirty="0"/>
           </a:p>
         </p:txBody>
@@ -3517,7 +3724,7 @@
           <a:bodyPr/>
           <a:lstStyle/>
           <a:p>
-            <a:fld id="{EF0BC8FF-1410-4CCA-B01C-BFED761700B3}" type="datetime1">
+            <a:fld id="{F12A0639-FCB6-4559-BC4A-BE510500DBB1}" type="datetime1">
               <a:rPr lang="en-US" smtClean="0"/>
               <a:t>10/31/2014</a:t>
             </a:fld>
@@ -3542,7 +3749,7 @@
           <a:p>
             <a:fld id="{B4008EB6-D09E-4580-8CD6-DDB14511944F}" type="slidenum">
               <a:rPr lang="en-US" smtClean="0"/>
-              <a:t>20</a:t>
+              <a:t>19</a:t>
             </a:fld>
             <a:endParaRPr lang="en-US" dirty="0"/>
           </a:p>
@@ -3650,7 +3857,7 @@
     </p:spTree>
     <p:extLst>
       <p:ext uri="{BB962C8B-B14F-4D97-AF65-F5344CB8AC3E}">
-        <p14:creationId xmlns:p14="http://schemas.microsoft.com/office/powerpoint/2010/main" val="3766273958"/>
+        <p14:creationId xmlns:p14="http://schemas.microsoft.com/office/powerpoint/2010/main" val="1916882961"/>
       </p:ext>
     </p:extLst>
   </p:cSld>
@@ -13927,11 +14134,7 @@
             </a:pPr>
             <a:r>
               <a:rPr lang="en-US" sz="3600" dirty="0" smtClean="0"/>
-              <a:t>Office </a:t>
-            </a:r>
-            <a:r>
-              <a:rPr lang="en-US" sz="3600" dirty="0" smtClean="0"/>
-              <a:t>365 APIs accessible through </a:t>
+              <a:t>Office 365 APIs accessible through </a:t>
             </a:r>
             <a:r>
               <a:rPr lang="en-US" sz="3600" dirty="0" err="1" smtClean="0"/>
@@ -15104,38 +15307,70 @@
       </p:grpSpPr>
       <p:sp>
         <p:nvSpPr>
-          <p:cNvPr id="4" name="Title 3"/>
-          <p:cNvSpPr>
-            <a:spLocks noGrp="1"/>
-          </p:cNvSpPr>
-          <p:nvPr>
-            <p:ph type="ctrTitle"/>
-          </p:nvPr>
-        </p:nvSpPr>
-        <p:spPr/>
+          <p:cNvPr id="2" name="Text Placeholder 1"/>
+          <p:cNvSpPr>
+            <a:spLocks noGrp="1"/>
+          </p:cNvSpPr>
+          <p:nvPr>
+            <p:ph type="body" sz="quarter" idx="10"/>
+          </p:nvPr>
+        </p:nvSpPr>
+        <p:spPr>
+          <a:xfrm>
+            <a:off x="519112" y="1447799"/>
+            <a:ext cx="11149013" cy="4542184"/>
+          </a:xfrm>
+        </p:spPr>
         <p:txBody>
           <a:bodyPr/>
           <a:lstStyle/>
           <a:p>
             <a:r>
+              <a:rPr lang="en-US" dirty="0" smtClean="0"/>
+              <a:t>Important scenario for apps</a:t>
+            </a:r>
+          </a:p>
+          <a:p>
+            <a:r>
+              <a:rPr lang="en-US" dirty="0" smtClean="0"/>
+              <a:t>Open ID Connect Protocol</a:t>
+            </a:r>
+          </a:p>
+          <a:p>
+            <a:r>
+              <a:rPr lang="en-US" dirty="0" smtClean="0"/>
+              <a:t>OWIN Middleware</a:t>
+            </a:r>
+          </a:p>
+          <a:p>
+            <a:r>
+              <a:rPr lang="en-US" dirty="0" smtClean="0"/>
+              <a:t>Azure AD Authentication Library</a:t>
+            </a:r>
+          </a:p>
+          <a:p>
+            <a:r>
+              <a:rPr lang="en-US" dirty="0" smtClean="0"/>
+              <a:t>GitHub Sample</a:t>
+            </a:r>
+          </a:p>
+          <a:p>
+            <a:pPr lvl="1"/>
+            <a:r>
               <a:rPr lang="en-US" dirty="0"/>
-              <a:t>Connecting OneDrive for Business</a:t>
-            </a:r>
-            <a:br>
-              <a:rPr lang="en-US" dirty="0"/>
-            </a:br>
-            <a:endParaRPr lang="en-US" dirty="0"/>
-          </a:p>
-        </p:txBody>
-      </p:sp>
-      <p:sp>
-        <p:nvSpPr>
-          <p:cNvPr id="9" name="Subtitle 4"/>
-          <p:cNvSpPr>
-            <a:spLocks noGrp="1"/>
-          </p:cNvSpPr>
-          <p:nvPr>
-            <p:ph type="subTitle" idx="1"/>
+              <a:t>https://github.com/OfficeDev/O365-WebApp-MultiTenant</a:t>
+            </a:r>
+          </a:p>
+        </p:txBody>
+      </p:sp>
+      <p:sp>
+        <p:nvSpPr>
+          <p:cNvPr id="3" name="Title 2"/>
+          <p:cNvSpPr>
+            <a:spLocks noGrp="1"/>
+          </p:cNvSpPr>
+          <p:nvPr>
+            <p:ph type="title"/>
           </p:nvPr>
         </p:nvSpPr>
         <p:spPr/>
@@ -15143,7 +15378,34 @@
           <a:bodyPr/>
           <a:lstStyle/>
           <a:p>
-            <a:pPr lvl="0"/>
+            <a:r>
+              <a:rPr lang="en-US" dirty="0" smtClean="0"/>
+              <a:t>Single Sign-On, Multi-Tenant</a:t>
+            </a:r>
+            <a:endParaRPr lang="en-US" dirty="0"/>
+          </a:p>
+        </p:txBody>
+      </p:sp>
+      <p:sp>
+        <p:nvSpPr>
+          <p:cNvPr id="4" name="Slide Number Placeholder 3"/>
+          <p:cNvSpPr>
+            <a:spLocks noGrp="1"/>
+          </p:cNvSpPr>
+          <p:nvPr>
+            <p:ph type="sldNum" sz="quarter" idx="12"/>
+          </p:nvPr>
+        </p:nvSpPr>
+        <p:spPr/>
+        <p:txBody>
+          <a:bodyPr/>
+          <a:lstStyle/>
+          <a:p>
+            <a:fld id="{727B4C2D-45E2-4621-8491-2995EB46A674}" type="slidenum">
+              <a:rPr lang="en-US" smtClean="0"/>
+              <a:pPr/>
+              <a:t>19</a:t>
+            </a:fld>
             <a:endParaRPr lang="en-US" dirty="0"/>
           </a:p>
         </p:txBody>
@@ -15151,7 +15413,7 @@
     </p:spTree>
     <p:extLst>
       <p:ext uri="{BB962C8B-B14F-4D97-AF65-F5344CB8AC3E}">
-        <p14:creationId xmlns:p14="http://schemas.microsoft.com/office/powerpoint/2010/main" val="4022113090"/>
+        <p14:creationId xmlns:p14="http://schemas.microsoft.com/office/powerpoint/2010/main" val="889517893"/>
       </p:ext>
     </p:extLst>
   </p:cSld>
@@ -15161,13 +15423,6 @@
   <p:transition>
     <p:fade/>
   </p:transition>
-  <p:timing>
-    <p:tnLst>
-      <p:par>
-        <p:cTn id="1" dur="indefinite" restart="never" nodeType="tmRoot"/>
-      </p:par>
-    </p:tnLst>
-  </p:timing>
 </p:sld>
 </file>
 
@@ -15240,7 +15495,7 @@
                 <a:gridCol w="11225057">
                   <a:extLst>
                     <a:ext uri="{9D8B030D-6E8A-4147-A177-3AD203B41FA5}">
-                      <a16:colId xmlns="" xmlns:a16="http://schemas.microsoft.com/office/drawing/2014/main" val="1253488153"/>
+                      <a16:colId xmlns:a16="http://schemas.microsoft.com/office/drawing/2014/main" xmlns="" val="1253488153"/>
                     </a:ext>
                   </a:extLst>
                 </a:gridCol>
@@ -15262,7 +15517,7 @@
                 </a:tc>
                 <a:extLst>
                   <a:ext uri="{0D108BD9-81ED-4DB2-BD59-A6C34878D82A}">
-                    <a16:rowId xmlns="" xmlns:a16="http://schemas.microsoft.com/office/drawing/2014/main" val="829859176"/>
+                    <a16:rowId xmlns:a16="http://schemas.microsoft.com/office/drawing/2014/main" xmlns="" val="829859176"/>
                   </a:ext>
                 </a:extLst>
               </a:tr>
@@ -15282,7 +15537,7 @@
                 </a:tc>
                 <a:extLst>
                   <a:ext uri="{0D108BD9-81ED-4DB2-BD59-A6C34878D82A}">
-                    <a16:rowId xmlns="" xmlns:a16="http://schemas.microsoft.com/office/drawing/2014/main" val="1946132611"/>
+                    <a16:rowId xmlns:a16="http://schemas.microsoft.com/office/drawing/2014/main" xmlns="" val="1946132611"/>
                   </a:ext>
                 </a:extLst>
               </a:tr>
@@ -15319,7 +15574,7 @@
                 </a:tc>
                 <a:extLst>
                   <a:ext uri="{0D108BD9-81ED-4DB2-BD59-A6C34878D82A}">
-                    <a16:rowId xmlns="" xmlns:a16="http://schemas.microsoft.com/office/drawing/2014/main" val="3204002662"/>
+                    <a16:rowId xmlns:a16="http://schemas.microsoft.com/office/drawing/2014/main" xmlns="" val="3204002662"/>
                   </a:ext>
                 </a:extLst>
               </a:tr>
@@ -15356,7 +15611,7 @@
                 </a:tc>
                 <a:extLst>
                   <a:ext uri="{0D108BD9-81ED-4DB2-BD59-A6C34878D82A}">
-                    <a16:rowId xmlns="" xmlns:a16="http://schemas.microsoft.com/office/drawing/2014/main" val="4266278162"/>
+                    <a16:rowId xmlns:a16="http://schemas.microsoft.com/office/drawing/2014/main" xmlns="" val="4266278162"/>
                   </a:ext>
                 </a:extLst>
               </a:tr>
@@ -15474,6 +15729,92 @@
       </p:grpSpPr>
       <p:sp>
         <p:nvSpPr>
+          <p:cNvPr id="4" name="Title 3"/>
+          <p:cNvSpPr>
+            <a:spLocks noGrp="1"/>
+          </p:cNvSpPr>
+          <p:nvPr>
+            <p:ph type="ctrTitle"/>
+          </p:nvPr>
+        </p:nvSpPr>
+        <p:spPr/>
+        <p:txBody>
+          <a:bodyPr/>
+          <a:lstStyle/>
+          <a:p>
+            <a:r>
+              <a:rPr lang="en-US" dirty="0"/>
+              <a:t>Connecting OneDrive for Business</a:t>
+            </a:r>
+            <a:br>
+              <a:rPr lang="en-US" dirty="0"/>
+            </a:br>
+            <a:endParaRPr lang="en-US" dirty="0"/>
+          </a:p>
+        </p:txBody>
+      </p:sp>
+      <p:sp>
+        <p:nvSpPr>
+          <p:cNvPr id="9" name="Subtitle 4"/>
+          <p:cNvSpPr>
+            <a:spLocks noGrp="1"/>
+          </p:cNvSpPr>
+          <p:nvPr>
+            <p:ph type="subTitle" idx="1"/>
+          </p:nvPr>
+        </p:nvSpPr>
+        <p:spPr/>
+        <p:txBody>
+          <a:bodyPr/>
+          <a:lstStyle/>
+          <a:p>
+            <a:pPr lvl="0"/>
+            <a:endParaRPr lang="en-US" dirty="0"/>
+          </a:p>
+        </p:txBody>
+      </p:sp>
+    </p:spTree>
+    <p:extLst>
+      <p:ext uri="{BB962C8B-B14F-4D97-AF65-F5344CB8AC3E}">
+        <p14:creationId xmlns:p14="http://schemas.microsoft.com/office/powerpoint/2010/main" val="4022113090"/>
+      </p:ext>
+    </p:extLst>
+  </p:cSld>
+  <p:clrMapOvr>
+    <a:masterClrMapping/>
+  </p:clrMapOvr>
+  <p:transition>
+    <p:fade/>
+  </p:transition>
+  <p:timing>
+    <p:tnLst>
+      <p:par>
+        <p:cTn id="1" dur="indefinite" restart="never" nodeType="tmRoot"/>
+      </p:par>
+    </p:tnLst>
+  </p:timing>
+</p:sld>
+</file>
+
+<file path=ppt/slides/slide21.xml><?xml version="1.0" encoding="utf-8"?>
+<p:sld xmlns:a="http://schemas.openxmlformats.org/drawingml/2006/main" xmlns:r="http://schemas.openxmlformats.org/officeDocument/2006/relationships" xmlns:p="http://schemas.openxmlformats.org/presentationml/2006/main">
+  <p:cSld>
+    <p:spTree>
+      <p:nvGrpSpPr>
+        <p:cNvPr id="1" name=""/>
+        <p:cNvGrpSpPr/>
+        <p:nvPr/>
+      </p:nvGrpSpPr>
+      <p:grpSpPr>
+        <a:xfrm>
+          <a:off x="0" y="0"/>
+          <a:ext cx="0" cy="0"/>
+          <a:chOff x="0" y="0"/>
+          <a:chExt cx="0" cy="0"/>
+        </a:xfrm>
+      </p:grpSpPr>
+      <p:sp>
+        <p:nvSpPr>
           <p:cNvPr id="3" name="Title 2"/>
           <p:cNvSpPr>
             <a:spLocks noGrp="1"/>
@@ -15513,7 +15854,7 @@
             <a:fld id="{727B4C2D-45E2-4621-8491-2995EB46A674}" type="slidenum">
               <a:rPr lang="en-US" smtClean="0"/>
               <a:pPr/>
-              <a:t>20</a:t>
+              <a:t>21</a:t>
             </a:fld>
             <a:endParaRPr lang="en-US" dirty="0"/>
           </a:p>
@@ -15727,7 +16068,7 @@
 </p:sld>
 </file>
 
-<file path=ppt/slides/slide21.xml><?xml version="1.0" encoding="utf-8"?>
+<file path=ppt/slides/slide22.xml><?xml version="1.0" encoding="utf-8"?>
 <p:sld xmlns:a="http://schemas.openxmlformats.org/drawingml/2006/main" xmlns:r="http://schemas.openxmlformats.org/officeDocument/2006/relationships" xmlns:p="http://schemas.openxmlformats.org/presentationml/2006/main">
   <p:cSld>
     <p:spTree>
@@ -15850,7 +16191,7 @@
             <a:fld id="{727B4C2D-45E2-4621-8491-2995EB46A674}" type="slidenum">
               <a:rPr lang="en-US" smtClean="0"/>
               <a:pPr/>
-              <a:t>21</a:t>
+              <a:t>22</a:t>
             </a:fld>
             <a:endParaRPr lang="en-US" dirty="0"/>
           </a:p>
@@ -15896,7 +16237,7 @@
 </p:sld>
 </file>
 
-<file path=ppt/slides/slide22.xml><?xml version="1.0" encoding="utf-8"?>
+<file path=ppt/slides/slide23.xml><?xml version="1.0" encoding="utf-8"?>
 <p:sld xmlns:a="http://schemas.openxmlformats.org/drawingml/2006/main" xmlns:r="http://schemas.openxmlformats.org/officeDocument/2006/relationships" xmlns:p="http://schemas.openxmlformats.org/presentationml/2006/main">
   <p:cSld>
     <p:spTree>
@@ -15982,7 +16323,7 @@
 </p:sld>
 </file>
 
-<file path=ppt/slides/slide23.xml><?xml version="1.0" encoding="utf-8"?>
+<file path=ppt/slides/slide24.xml><?xml version="1.0" encoding="utf-8"?>
 <p:sld xmlns:a="http://schemas.openxmlformats.org/drawingml/2006/main" xmlns:r="http://schemas.openxmlformats.org/officeDocument/2006/relationships" xmlns:p="http://schemas.openxmlformats.org/presentationml/2006/main">
   <p:cSld>
     <p:spTree>
@@ -16068,7 +16409,7 @@
             <a:fld id="{727B4C2D-45E2-4621-8491-2995EB46A674}" type="slidenum">
               <a:rPr lang="en-US" smtClean="0"/>
               <a:pPr/>
-              <a:t>23</a:t>
+              <a:t>24</a:t>
             </a:fld>
             <a:endParaRPr lang="en-US" dirty="0"/>
           </a:p>
@@ -16114,7 +16455,7 @@
 </p:sld>
 </file>
 
-<file path=ppt/slides/slide24.xml><?xml version="1.0" encoding="utf-8"?>
+<file path=ppt/slides/slide25.xml><?xml version="1.0" encoding="utf-8"?>
 <p:sld xmlns:a="http://schemas.openxmlformats.org/drawingml/2006/main" xmlns:r="http://schemas.openxmlformats.org/officeDocument/2006/relationships" xmlns:p="http://schemas.openxmlformats.org/presentationml/2006/main">
   <p:cSld>
     <p:spTree>
@@ -16263,7 +16604,7 @@
 </p:sld>
 </file>
 
-<file path=ppt/slides/slide25.xml><?xml version="1.0" encoding="utf-8"?>
+<file path=ppt/slides/slide26.xml><?xml version="1.0" encoding="utf-8"?>
 <p:sld xmlns:a="http://schemas.openxmlformats.org/drawingml/2006/main" xmlns:r="http://schemas.openxmlformats.org/officeDocument/2006/relationships" xmlns:p="http://schemas.openxmlformats.org/presentationml/2006/main">
   <p:cSld>
     <p:spTree>
@@ -19129,12 +19470,9 @@
 </file>
 
 <file path=customXml/item1.xml><?xml version="1.0" encoding="utf-8"?>
-<?mso-contentType ?>
-<FormTemplates xmlns="http://schemas.microsoft.com/sharepoint/v3/contenttype/forms">
-  <Display>DocumentLibraryForm</Display>
-  <Edit>DocumentLibraryForm</Edit>
-  <New>DocumentLibraryForm</New>
-</FormTemplates>
+<p:properties xmlns:p="http://schemas.microsoft.com/office/2006/metadata/properties" xmlns:xsi="http://www.w3.org/2001/XMLSchema-instance" xmlns:pc="http://schemas.microsoft.com/office/infopath/2007/PartnerControls">
+  <documentManagement/>
+</p:properties>
 </file>
 
 <file path=customXml/item2.xml><?xml version="1.0" encoding="utf-8"?>
@@ -19278,15 +19616,26 @@
 </file>
 
 <file path=customXml/item3.xml><?xml version="1.0" encoding="utf-8"?>
-<p:properties xmlns:p="http://schemas.microsoft.com/office/2006/metadata/properties" xmlns:xsi="http://www.w3.org/2001/XMLSchema-instance" xmlns:pc="http://schemas.microsoft.com/office/infopath/2007/PartnerControls">
-  <documentManagement/>
-</p:properties>
+<?mso-contentType ?>
+<FormTemplates xmlns="http://schemas.microsoft.com/sharepoint/v3/contenttype/forms">
+  <Display>DocumentLibraryForm</Display>
+  <Edit>DocumentLibraryForm</Edit>
+  <New>DocumentLibraryForm</New>
+</FormTemplates>
 </file>
 
 <file path=customXml/itemProps1.xml><?xml version="1.0" encoding="utf-8"?>
-<ds:datastoreItem xmlns:ds="http://schemas.openxmlformats.org/officeDocument/2006/customXml" ds:itemID="{E1E0CE18-CA03-4891-9CD8-3448778E3D53}">
+<ds:datastoreItem xmlns:ds="http://schemas.openxmlformats.org/officeDocument/2006/customXml" ds:itemID="{DA593625-DB14-4FB0-B5A9-3269FA9C120B}">
   <ds:schemaRefs>
-    <ds:schemaRef ds:uri="http://schemas.microsoft.com/sharepoint/v3/contenttype/forms"/>
+    <ds:schemaRef ds:uri="http://purl.org/dc/terms/"/>
+    <ds:schemaRef ds:uri="5fad15d0-477e-40da-a20d-40d4ca777cbd"/>
+    <ds:schemaRef ds:uri="http://schemas.microsoft.com/office/2006/documentManagement/types"/>
+    <ds:schemaRef ds:uri="http://schemas.microsoft.com/office/infopath/2007/PartnerControls"/>
+    <ds:schemaRef ds:uri="http://schemas.openxmlformats.org/package/2006/metadata/core-properties"/>
+    <ds:schemaRef ds:uri="http://purl.org/dc/elements/1.1/"/>
+    <ds:schemaRef ds:uri="http://schemas.microsoft.com/office/2006/metadata/properties"/>
+    <ds:schemaRef ds:uri="http://www.w3.org/XML/1998/namespace"/>
+    <ds:schemaRef ds:uri="http://purl.org/dc/dcmitype/"/>
   </ds:schemaRefs>
 </ds:datastoreItem>
 </file>
@@ -19310,17 +19659,9 @@
 </file>
 
 <file path=customXml/itemProps3.xml><?xml version="1.0" encoding="utf-8"?>
-<ds:datastoreItem xmlns:ds="http://schemas.openxmlformats.org/officeDocument/2006/customXml" ds:itemID="{DA593625-DB14-4FB0-B5A9-3269FA9C120B}">
+<ds:datastoreItem xmlns:ds="http://schemas.openxmlformats.org/officeDocument/2006/customXml" ds:itemID="{E1E0CE18-CA03-4891-9CD8-3448778E3D53}">
   <ds:schemaRefs>
-    <ds:schemaRef ds:uri="http://schemas.microsoft.com/office/2006/metadata/properties"/>
-    <ds:schemaRef ds:uri="http://purl.org/dc/terms/"/>
-    <ds:schemaRef ds:uri="http://schemas.openxmlformats.org/package/2006/metadata/core-properties"/>
-    <ds:schemaRef ds:uri="5fad15d0-477e-40da-a20d-40d4ca777cbd"/>
-    <ds:schemaRef ds:uri="http://purl.org/dc/dcmitype/"/>
-    <ds:schemaRef ds:uri="http://schemas.microsoft.com/office/infopath/2007/PartnerControls"/>
-    <ds:schemaRef ds:uri="http://schemas.microsoft.com/office/2006/documentManagement/types"/>
-    <ds:schemaRef ds:uri="http://purl.org/dc/elements/1.1/"/>
-    <ds:schemaRef ds:uri="http://www.w3.org/XML/1998/namespace"/>
+    <ds:schemaRef ds:uri="http://schemas.microsoft.com/sharepoint/v3/contenttype/forms"/>
   </ds:schemaRefs>
 </ds:datastoreItem>
 </file>